--- a/Brian-X2K Miami Poster v2.pptx
+++ b/Brian-X2K Miami Poster v2.pptx
@@ -4216,7 +4216,7 @@
         </p:nvSpPr>
         <p:spPr>
           <a:xfrm>
-            <a:off x="20470471" y="5402938"/>
+            <a:off x="20421600" y="5402938"/>
             <a:ext cx="18520887" cy="26620589"/>
           </a:xfrm>
           <a:prstGeom prst="roundRect">
@@ -4904,8 +4904,8 @@
         </p:nvSpPr>
         <p:spPr>
           <a:xfrm>
-            <a:off x="1231365" y="16669732"/>
-            <a:ext cx="10076715" cy="6632585"/>
+            <a:off x="1139571" y="16669732"/>
+            <a:ext cx="10766081" cy="7402026"/>
           </a:xfrm>
           <a:prstGeom prst="rect">
             <a:avLst/>
@@ -4940,7 +4940,7 @@
                 </a:solidFill>
                 <a:cs typeface="Arial" pitchFamily="34" charset="0"/>
               </a:rPr>
-              <a:t>The X2K pipeline is comprised of these three components:</a:t>
+              <a:t>The X2K pipeline is comprised of these three components (Fig 2):</a:t>
             </a:r>
           </a:p>
           <a:p>
@@ -5000,7 +5000,7 @@
                 </a:solidFill>
                 <a:cs typeface="Arial" pitchFamily="34" charset="0"/>
               </a:rPr>
-              <a:t>Ranks transcription factors (TF) based on TF targets that are enriched within the input gene list using 2 non-mutually exclusive databases (</a:t>
+              <a:t>Ranks transcription factors (TF) based on TF targets that are enriched within the input gene list using </a:t>
             </a:r>
             <a:r>
               <a:rPr lang="en-US" sz="2500" dirty="0" err="1">
@@ -5009,6 +5009,24 @@
                 </a:solidFill>
                 <a:cs typeface="Arial" pitchFamily="34" charset="0"/>
               </a:rPr>
+              <a:t>ChIP-seq</a:t>
+            </a:r>
+            <a:r>
+              <a:rPr lang="en-US" sz="2500" dirty="0">
+                <a:solidFill>
+                  <a:schemeClr val="bg1"/>
+                </a:solidFill>
+                <a:cs typeface="Arial" pitchFamily="34" charset="0"/>
+              </a:rPr>
+              <a:t> experiment-derived TF databases including the </a:t>
+            </a:r>
+            <a:r>
+              <a:rPr lang="en-US" sz="2500" dirty="0" err="1">
+                <a:solidFill>
+                  <a:schemeClr val="bg1"/>
+                </a:solidFill>
+                <a:cs typeface="Arial" pitchFamily="34" charset="0"/>
+              </a:rPr>
               <a:t>ChEA</a:t>
             </a:r>
             <a:r>
@@ -5018,25 +5036,7 @@
                 </a:solidFill>
                 <a:cs typeface="Arial" pitchFamily="34" charset="0"/>
               </a:rPr>
-              <a:t>, </a:t>
-            </a:r>
-            <a:r>
-              <a:rPr lang="en-US" sz="2500" dirty="0" err="1">
-                <a:solidFill>
-                  <a:schemeClr val="bg1"/>
-                </a:solidFill>
-                <a:cs typeface="Arial" pitchFamily="34" charset="0"/>
-              </a:rPr>
-              <a:t>Tranf</a:t>
-            </a:r>
-            <a:r>
-              <a:rPr lang="en-US" sz="2500" dirty="0">
-                <a:solidFill>
-                  <a:schemeClr val="bg1"/>
-                </a:solidFill>
-                <a:cs typeface="Arial" pitchFamily="34" charset="0"/>
-              </a:rPr>
-              <a:t>). There are also 4 mutually-exclusive predicted methods by which TF results were sorted (TF Sort), 3 options by which to subset the TF databases by species (TF species), and 3 options regarding how many of the top most significant predicted TFs to feed into the PPI Network Construction step.</a:t>
+              <a:t> 2015 database, the combined TRANSFAC databases, or both.</a:t>
             </a:r>
           </a:p>
           <a:p>
@@ -5069,7 +5069,7 @@
                 </a:solidFill>
                 <a:cs typeface="Arial" pitchFamily="34" charset="0"/>
               </a:rPr>
-              <a:t>Generates protein-protein interactions (PPI) subnetworks given a list of enriched TFs. G2N draws from the following PPI resources: </a:t>
+              <a:t>Generates protein-protein interactions (PPI) subnetworks given a list of enriched TFs. G2N draws from 18 non-mutually exclusive literature-curated and/or experimentally-derived PPI resources: BIND , BIOCARTA (</a:t>
             </a:r>
             <a:r>
               <a:rPr lang="en-US" sz="2500" dirty="0" err="1">
@@ -5078,7 +5078,7 @@
                 </a:solidFill>
                 <a:cs typeface="Arial" pitchFamily="34" charset="0"/>
               </a:rPr>
-              <a:t>BioGRID</a:t>
+              <a:t>www.biocarta.com</a:t>
             </a:r>
             <a:r>
               <a:rPr lang="en-US" sz="2500" dirty="0">
@@ -5087,6 +5087,42 @@
                 </a:solidFill>
                 <a:cs typeface="Arial" pitchFamily="34" charset="0"/>
               </a:rPr>
+              <a:t>), the Database of Interacting Proteins (DIP), </a:t>
+            </a:r>
+            <a:r>
+              <a:rPr lang="en-US" sz="2500" dirty="0" err="1">
+                <a:solidFill>
+                  <a:schemeClr val="bg1"/>
+                </a:solidFill>
+                <a:cs typeface="Arial" pitchFamily="34" charset="0"/>
+              </a:rPr>
+              <a:t>Figeys</a:t>
+            </a:r>
+            <a:r>
+              <a:rPr lang="en-US" sz="2500" dirty="0">
+                <a:solidFill>
+                  <a:schemeClr val="bg1"/>
+                </a:solidFill>
+                <a:cs typeface="Arial" pitchFamily="34" charset="0"/>
+              </a:rPr>
+              <a:t>, the Human Protein Reference Database (HPRD), </a:t>
+            </a:r>
+            <a:r>
+              <a:rPr lang="en-US" sz="2500" dirty="0" err="1">
+                <a:solidFill>
+                  <a:schemeClr val="bg1"/>
+                </a:solidFill>
+                <a:cs typeface="Arial" pitchFamily="34" charset="0"/>
+              </a:rPr>
+              <a:t>InnateDB</a:t>
+            </a:r>
+            <a:r>
+              <a:rPr lang="en-US" sz="2500" dirty="0">
+                <a:solidFill>
+                  <a:schemeClr val="bg1"/>
+                </a:solidFill>
+                <a:cs typeface="Arial" pitchFamily="34" charset="0"/>
+              </a:rPr>
               <a:t>, </a:t>
             </a:r>
             <a:r>
@@ -5096,7 +5132,7 @@
                 </a:solidFill>
                 <a:cs typeface="Arial" pitchFamily="34" charset="0"/>
               </a:rPr>
-              <a:t>BioPlex</a:t>
+              <a:t>IntAct</a:t>
             </a:r>
             <a:r>
               <a:rPr lang="en-US" sz="2500" dirty="0">
@@ -5105,7 +5141,7 @@
                 </a:solidFill>
                 <a:cs typeface="Arial" pitchFamily="34" charset="0"/>
               </a:rPr>
-              <a:t>, </a:t>
+              <a:t>, KEGG, the Molecular </a:t>
             </a:r>
             <a:r>
               <a:rPr lang="en-US" sz="2500" dirty="0" err="1">
@@ -5114,7 +5150,7 @@
                 </a:solidFill>
                 <a:cs typeface="Arial" pitchFamily="34" charset="0"/>
               </a:rPr>
-              <a:t>iREF</a:t>
+              <a:t>INTeraction</a:t>
             </a:r>
             <a:r>
               <a:rPr lang="en-US" sz="2500" dirty="0">
@@ -5123,7 +5159,7 @@
                 </a:solidFill>
                 <a:cs typeface="Arial" pitchFamily="34" charset="0"/>
               </a:rPr>
-              <a:t>, </a:t>
+              <a:t> Database (MINT), the Munich Information Center for Protein Sequences (MIPS), Murphy, PDZBASE, PPID, PREDICTEDPPI, SNAVI, </a:t>
             </a:r>
             <a:r>
               <a:rPr lang="en-US" sz="2500" dirty="0" err="1">
@@ -5132,6 +5168,24 @@
                 </a:solidFill>
                 <a:cs typeface="Arial" pitchFamily="34" charset="0"/>
               </a:rPr>
+              <a:t>Stelz</a:t>
+            </a:r>
+            <a:r>
+              <a:rPr lang="en-US" sz="2500" dirty="0">
+                <a:solidFill>
+                  <a:schemeClr val="bg1"/>
+                </a:solidFill>
+                <a:cs typeface="Arial" pitchFamily="34" charset="0"/>
+              </a:rPr>
+              <a:t> et al., Rolland et al., and </a:t>
+            </a:r>
+            <a:r>
+              <a:rPr lang="en-US" sz="2500" dirty="0" err="1">
+                <a:solidFill>
+                  <a:schemeClr val="bg1"/>
+                </a:solidFill>
+                <a:cs typeface="Arial" pitchFamily="34" charset="0"/>
+              </a:rPr>
               <a:t>hu.MAP</a:t>
             </a:r>
             <a:r>
@@ -5141,25 +5195,7 @@
                 </a:solidFill>
                 <a:cs typeface="Arial" pitchFamily="34" charset="0"/>
               </a:rPr>
-              <a:t>, MINT, SNAVI, </a:t>
-            </a:r>
-            <a:r>
-              <a:rPr lang="en-US" sz="2500" dirty="0" err="1">
-                <a:solidFill>
-                  <a:schemeClr val="bg1"/>
-                </a:solidFill>
-                <a:cs typeface="Arial" pitchFamily="34" charset="0"/>
-              </a:rPr>
-              <a:t>ppid</a:t>
-            </a:r>
-            <a:r>
-              <a:rPr lang="en-US" sz="2500" dirty="0">
-                <a:solidFill>
-                  <a:schemeClr val="bg1"/>
-                </a:solidFill>
-                <a:cs typeface="Arial" pitchFamily="34" charset="0"/>
-              </a:rPr>
-              <a:t>, and KEGG. </a:t>
+              <a:t>. </a:t>
             </a:r>
           </a:p>
           <a:p>
@@ -5192,7 +5228,7 @@
                 </a:solidFill>
                 <a:cs typeface="Arial" pitchFamily="34" charset="0"/>
               </a:rPr>
-              <a:t>Ranks protein kinases that are known to phosphorylate the proteins within the subnetwork identified by G2N. The KEA step draws kinase-substrate interactions from: </a:t>
+              <a:t>Two different types of data are available through KEA: kinase-protein interactions (KP) and phosphorylation reactions (P). KP data is composed of data integrated from the kinase subsets of several PPI databases, including </a:t>
             </a:r>
             <a:r>
               <a:rPr lang="en-US" sz="2500" dirty="0" err="1">
@@ -5201,7 +5237,7 @@
                 </a:solidFill>
                 <a:cs typeface="Arial" pitchFamily="34" charset="0"/>
               </a:rPr>
-              <a:t>PhosphoSite</a:t>
+              <a:t>NetworkIN</a:t>
             </a:r>
             <a:r>
               <a:rPr lang="en-US" sz="2500" dirty="0">
@@ -5210,7 +5246,7 @@
                 </a:solidFill>
                 <a:cs typeface="Arial" pitchFamily="34" charset="0"/>
               </a:rPr>
-              <a:t> Plus, </a:t>
+              <a:t>, </a:t>
             </a:r>
             <a:r>
               <a:rPr lang="en-US" sz="2500" dirty="0" err="1">
@@ -5219,7 +5255,7 @@
                 </a:solidFill>
                 <a:cs typeface="Arial" pitchFamily="34" charset="0"/>
               </a:rPr>
-              <a:t>NetworKIN</a:t>
+              <a:t>Phospho.ELM</a:t>
             </a:r>
             <a:r>
               <a:rPr lang="en-US" sz="2500" dirty="0">
@@ -5228,7 +5264,7 @@
                 </a:solidFill>
                 <a:cs typeface="Arial" pitchFamily="34" charset="0"/>
               </a:rPr>
-              <a:t>, </a:t>
+              <a:t>, MINT, HPRD, </a:t>
             </a:r>
             <a:r>
               <a:rPr lang="en-US" sz="2500" dirty="0" err="1">
@@ -5237,7 +5273,7 @@
                 </a:solidFill>
                 <a:cs typeface="Arial" pitchFamily="34" charset="0"/>
               </a:rPr>
-              <a:t>iPTMnet</a:t>
+              <a:t>PhosphoPoint</a:t>
             </a:r>
             <a:r>
               <a:rPr lang="en-US" sz="2500" dirty="0">
@@ -5246,7 +5282,25 @@
                 </a:solidFill>
                 <a:cs typeface="Arial" pitchFamily="34" charset="0"/>
               </a:rPr>
-              <a:t> and KEA. </a:t>
+              <a:t> and </a:t>
+            </a:r>
+            <a:r>
+              <a:rPr lang="en-US" sz="2500" dirty="0" err="1">
+                <a:solidFill>
+                  <a:schemeClr val="bg1"/>
+                </a:solidFill>
+                <a:cs typeface="Arial" pitchFamily="34" charset="0"/>
+              </a:rPr>
+              <a:t>SwissProt</a:t>
+            </a:r>
+            <a:r>
+              <a:rPr lang="en-US" sz="2500" dirty="0">
+                <a:solidFill>
+                  <a:schemeClr val="bg1"/>
+                </a:solidFill>
+                <a:cs typeface="Arial" pitchFamily="34" charset="0"/>
+              </a:rPr>
+              <a:t>. P data was manually curated from 	the literature. </a:t>
             </a:r>
           </a:p>
         </p:txBody>
@@ -5306,8 +5360,8 @@
         </p:nvSpPr>
         <p:spPr>
           <a:xfrm>
-            <a:off x="39547800" y="6486498"/>
-            <a:ext cx="8458200" cy="7402026"/>
+            <a:off x="39334915" y="6486498"/>
+            <a:ext cx="9015350" cy="8171468"/>
           </a:xfrm>
           <a:prstGeom prst="rect">
             <a:avLst/>
@@ -5344,25 +5398,7 @@
                 </a:solidFill>
                 <a:cs typeface="Arial" pitchFamily="34" charset="0"/>
               </a:rPr>
-              <a:t>: While optimal </a:t>
-            </a:r>
-            <a:r>
-              <a:rPr lang="en-US" sz="2500" dirty="0">
-                <a:solidFill>
-                  <a:srgbClr val="FF00FF"/>
-                </a:solidFill>
-                <a:cs typeface="Arial" pitchFamily="34" charset="0"/>
-              </a:rPr>
-              <a:t>x and y</a:t>
-            </a:r>
-            <a:r>
-              <a:rPr lang="en-US" sz="2500" dirty="0">
-                <a:solidFill>
-                  <a:schemeClr val="bg1"/>
-                </a:solidFill>
-                <a:cs typeface="Arial" pitchFamily="34" charset="0"/>
-              </a:rPr>
-              <a:t> did differ between validation datasets, the following results were consistent:</a:t>
+              <a:t>: GA Runs 1 and 2 differed in the optimal parameter combination that produced the peak fitness, including: Top TFs, TF Species, and TF Sort.</a:t>
             </a:r>
           </a:p>
           <a:p>
@@ -5377,7 +5413,7 @@
                 </a:solidFill>
                 <a:cs typeface="Arial" pitchFamily="34" charset="0"/>
               </a:rPr>
-              <a:t>Rank</a:t>
+              <a:t>TF Rank</a:t>
             </a:r>
             <a:r>
               <a:rPr lang="en-US" sz="2500" dirty="0">
@@ -5386,7 +5422,7 @@
                 </a:solidFill>
                 <a:cs typeface="Arial" pitchFamily="34" charset="0"/>
               </a:rPr>
-              <a:t>: More sophisticated results-ordering methods (e.g. combined score) outperformed simpler metrics such as raw p-values and rank.  </a:t>
+              <a:t>: More sophisticated results-ordering methods (i.e. rank, combined score) outperformed simpler metrics such as raw p-values (though not Kinase Rank in Run 1). </a:t>
             </a:r>
           </a:p>
           <a:p>
@@ -5401,7 +5437,7 @@
                 </a:solidFill>
                 <a:cs typeface="Arial" pitchFamily="34" charset="0"/>
               </a:rPr>
-              <a:t>Databases:  </a:t>
+              <a:t>TF Databases:</a:t>
             </a:r>
             <a:r>
               <a:rPr lang="en-US" sz="2500" dirty="0">
@@ -5410,7 +5446,25 @@
                 </a:solidFill>
                 <a:cs typeface="Arial" pitchFamily="34" charset="0"/>
               </a:rPr>
-              <a:t>The optimization of X2K via GA identified the following databases as relatively optimal for recovering mechanisms of action underlying differential gene expression:  </a:t>
+              <a:t> Both GA Runs selected TRANSFAC as the optimal TF Database, suggesting this is preferable to </a:t>
+            </a:r>
+            <a:r>
+              <a:rPr lang="en-US" sz="2500" dirty="0" err="1">
+                <a:solidFill>
+                  <a:schemeClr val="bg1"/>
+                </a:solidFill>
+                <a:cs typeface="Arial" pitchFamily="34" charset="0"/>
+              </a:rPr>
+              <a:t>ChEA</a:t>
+            </a:r>
+            <a:r>
+              <a:rPr lang="en-US" sz="2500" dirty="0">
+                <a:solidFill>
+                  <a:schemeClr val="bg1"/>
+                </a:solidFill>
+                <a:cs typeface="Arial" pitchFamily="34" charset="0"/>
+              </a:rPr>
+              <a:t> even when combined with TRANSFAC.</a:t>
             </a:r>
           </a:p>
           <a:p>
@@ -5425,7 +5479,7 @@
                 </a:solidFill>
                 <a:cs typeface="Arial" pitchFamily="34" charset="0"/>
               </a:rPr>
-              <a:t>TF-enrichment: </a:t>
+              <a:t>PPI Databases: </a:t>
             </a:r>
             <a:r>
               <a:rPr lang="en-US" sz="2500" dirty="0">
@@ -5434,7 +5488,25 @@
                 </a:solidFill>
                 <a:cs typeface="Arial" pitchFamily="34" charset="0"/>
               </a:rPr>
-              <a:t>1, 2, 3 </a:t>
+              <a:t>While not all PPI databases overlapped between Runs, BIOCARTA, KEGG, MIPS, and PPID were selected in both Runs </a:t>
+            </a:r>
+            <a:r>
+              <a:rPr lang="en-US" sz="2500">
+                <a:solidFill>
+                  <a:schemeClr val="bg1"/>
+                </a:solidFill>
+                <a:cs typeface="Arial" pitchFamily="34" charset="0"/>
+              </a:rPr>
+              <a:t>suggesting this </a:t>
+            </a:r>
+            <a:r>
+              <a:rPr lang="en-US" sz="2500" dirty="0">
+                <a:solidFill>
+                  <a:schemeClr val="bg1"/>
+                </a:solidFill>
+                <a:cs typeface="Arial" pitchFamily="34" charset="0"/>
+              </a:rPr>
+              <a:t>combination of databases provide more robust results in X2K.</a:t>
             </a:r>
           </a:p>
           <a:p>
@@ -5449,7 +5521,25 @@
                 </a:solidFill>
                 <a:cs typeface="Arial" pitchFamily="34" charset="0"/>
               </a:rPr>
-              <a:t>PPI construction: </a:t>
+              <a:t>Kinase </a:t>
+            </a:r>
+            <a:r>
+              <a:rPr lang="en-US" sz="2500" b="1" dirty="0" err="1">
+                <a:solidFill>
+                  <a:schemeClr val="bg1"/>
+                </a:solidFill>
+                <a:cs typeface="Arial" pitchFamily="34" charset="0"/>
+              </a:rPr>
+              <a:t>Interactome</a:t>
+            </a:r>
+            <a:r>
+              <a:rPr lang="en-US" sz="2500" b="1" dirty="0">
+                <a:solidFill>
+                  <a:schemeClr val="bg1"/>
+                </a:solidFill>
+                <a:cs typeface="Arial" pitchFamily="34" charset="0"/>
+              </a:rPr>
+              <a:t>: </a:t>
             </a:r>
             <a:r>
               <a:rPr lang="en-US" sz="2500" dirty="0">
@@ -5458,7 +5548,7 @@
                 </a:solidFill>
                 <a:cs typeface="Arial" pitchFamily="34" charset="0"/>
               </a:rPr>
-              <a:t>1, 2, 3 </a:t>
+              <a:t> Both Runs selected P, suggesting Phosphorylation datasets perform better for recovering kinases, though it remains to be seen whether combined the two would perform even better.</a:t>
             </a:r>
           </a:p>
           <a:p>
@@ -5473,7 +5563,7 @@
                 </a:solidFill>
                 <a:cs typeface="Arial" pitchFamily="34" charset="0"/>
               </a:rPr>
-              <a:t>Kinase-enrichment: </a:t>
+              <a:t>Potential Confounds: </a:t>
             </a:r>
             <a:r>
               <a:rPr lang="en-US" sz="2500" dirty="0">
@@ -5482,43 +5572,7 @@
                 </a:solidFill>
                 <a:cs typeface="Arial" pitchFamily="34" charset="0"/>
               </a:rPr>
-              <a:t>1, 2, 3</a:t>
-            </a:r>
-          </a:p>
-          <a:p>
-            <a:pPr marL="342900" indent="-342900">
-              <a:buFont typeface="Arial" panose="020B0604020202020204" pitchFamily="34" charset="0"/>
-              <a:buChar char="•"/>
-            </a:pPr>
-            <a:endParaRPr lang="en-US" sz="2500" dirty="0">
-              <a:solidFill>
-                <a:schemeClr val="bg1"/>
-              </a:solidFill>
-              <a:cs typeface="Arial" pitchFamily="34" charset="0"/>
-            </a:endParaRPr>
-          </a:p>
-          <a:p>
-            <a:pPr marL="342900" indent="-342900">
-              <a:buFont typeface="Arial" panose="020B0604020202020204" pitchFamily="34" charset="0"/>
-              <a:buChar char="•"/>
-            </a:pPr>
-            <a:r>
-              <a:rPr lang="en-US" sz="2500" b="1" dirty="0">
-                <a:solidFill>
-                  <a:schemeClr val="bg1"/>
-                </a:solidFill>
-                <a:cs typeface="Arial" pitchFamily="34" charset="0"/>
-              </a:rPr>
-              <a:t>Potential Confounds:  </a:t>
-            </a:r>
-            <a:r>
-              <a:rPr lang="en-US" sz="2500" dirty="0">
-                <a:solidFill>
-                  <a:schemeClr val="bg1"/>
-                </a:solidFill>
-                <a:cs typeface="Arial" pitchFamily="34" charset="0"/>
-              </a:rPr>
-              <a:t>X2K is biased towards large PPI networks. However, the average PPI size after the GA stabilized was 477 protein, which is not unreasonably large. Also, the GA chose a PPI path length of 1 (not 2 which would have resulted in a much larger network). </a:t>
+              <a:t>It is possible that X2K is biased towards constructing large PPI networks. While, both Runs did indeed create large PPI networks (~2,300-2,700 proteins) this did not appear to be related to fitness in Run 1.</a:t>
             </a:r>
           </a:p>
         </p:txBody>
@@ -5625,8 +5679,8 @@
         </p:nvSpPr>
         <p:spPr>
           <a:xfrm>
-            <a:off x="39547800" y="27192269"/>
-            <a:ext cx="8458200" cy="4708981"/>
+            <a:off x="39319200" y="27142619"/>
+            <a:ext cx="9017848" cy="4708981"/>
           </a:xfrm>
           <a:prstGeom prst="rect">
             <a:avLst/>
@@ -5733,7 +5787,21 @@
                   <a:srgbClr val="FFFFFF"/>
                 </a:solidFill>
               </a:rPr>
-              <a:t>. Cell Reports, 11(3), 390–404. https://</a:t>
+              <a:t>. Cell Reports, 11(3), 390–404. https://doi.org/10.1016/j.celrep.2015.03.037</a:t>
+            </a:r>
+          </a:p>
+          <a:p>
+            <a:pPr marL="285750" lvl="0" indent="-285750">
+              <a:buFont typeface="Arial"/>
+              <a:buChar char="•"/>
+            </a:pPr>
+            <a:r>
+              <a:rPr lang="en-US" sz="2000" dirty="0">
+                <a:solidFill>
+                  <a:srgbClr val="FFFFFF"/>
+                </a:solidFill>
+              </a:rPr>
+              <a:t>Duncan, J. S., Whittle, M. C., Nakamura, K., </a:t>
             </a:r>
             <a:r>
               <a:rPr lang="en-US" sz="2000" dirty="0" err="1">
@@ -5741,7 +5809,7 @@
                   <a:srgbClr val="FFFFFF"/>
                 </a:solidFill>
               </a:rPr>
-              <a:t>doi.org</a:t>
+              <a:t>Abell</a:t>
             </a:r>
             <a:r>
               <a:rPr lang="en-US" sz="2000" dirty="0">
@@ -5749,7 +5817,7 @@
                   <a:srgbClr val="FFFFFF"/>
                 </a:solidFill>
               </a:rPr>
-              <a:t>/10.1016/j.celrep.2015.03.037  Duncan, J. S., Whittle, M. C., Nakamura, K., </a:t>
+              <a:t>, A. N., Midland, A. A., </a:t>
             </a:r>
             <a:r>
               <a:rPr lang="en-US" sz="2000" dirty="0" err="1">
@@ -5757,7 +5825,7 @@
                   <a:srgbClr val="FFFFFF"/>
                 </a:solidFill>
               </a:rPr>
-              <a:t>Abell</a:t>
+              <a:t>Zawistowski</a:t>
             </a:r>
             <a:r>
               <a:rPr lang="en-US" sz="2000" dirty="0">
@@ -5765,7 +5833,7 @@
                   <a:srgbClr val="FFFFFF"/>
                 </a:solidFill>
               </a:rPr>
-              <a:t>, A. N., Midland, A. A., </a:t>
+              <a:t>, J. S., … Johnson, G. L. (2012). Dynamic reprogramming of the </a:t>
             </a:r>
             <a:r>
               <a:rPr lang="en-US" sz="2000" dirty="0" err="1">
@@ -5773,7 +5841,7 @@
                   <a:srgbClr val="FFFFFF"/>
                 </a:solidFill>
               </a:rPr>
-              <a:t>Zawistowski</a:t>
+              <a:t>kinome</a:t>
             </a:r>
             <a:r>
               <a:rPr lang="en-US" sz="2000" dirty="0">
@@ -5781,39 +5849,21 @@
                   <a:srgbClr val="FFFFFF"/>
                 </a:solidFill>
               </a:rPr>
-              <a:t>, J. S., … Johnson, G. L. (2012). Dynamic reprogramming of the </a:t>
-            </a:r>
-            <a:r>
-              <a:rPr lang="en-US" sz="2000" dirty="0" err="1">
+              <a:t> in response to targeted MEK inhibition in triple-negative breast cancer. Cell, 149(2), 307–321. https://doi.org/10.1016/j.cell.2012.02.053</a:t>
+            </a:r>
+          </a:p>
+          <a:p>
+            <a:pPr marL="285750" lvl="0" indent="-285750">
+              <a:buFont typeface="Arial"/>
+              <a:buChar char="•"/>
+            </a:pPr>
+            <a:r>
+              <a:rPr lang="en-US" sz="2000" dirty="0">
                 <a:solidFill>
                   <a:srgbClr val="FFFFFF"/>
                 </a:solidFill>
               </a:rPr>
-              <a:t>kinome</a:t>
-            </a:r>
-            <a:r>
-              <a:rPr lang="en-US" sz="2000" dirty="0">
-                <a:solidFill>
-                  <a:srgbClr val="FFFFFF"/>
-                </a:solidFill>
-              </a:rPr>
-              <a:t> in response to targeted MEK inhibition in triple-negative breast cancer. Cell, 149(2), 307–321. https://</a:t>
-            </a:r>
-            <a:r>
-              <a:rPr lang="en-US" sz="2000" dirty="0" err="1">
-                <a:solidFill>
-                  <a:srgbClr val="FFFFFF"/>
-                </a:solidFill>
-              </a:rPr>
-              <a:t>doi.org</a:t>
-            </a:r>
-            <a:r>
-              <a:rPr lang="en-US" sz="2000" dirty="0">
-                <a:solidFill>
-                  <a:srgbClr val="FFFFFF"/>
-                </a:solidFill>
-              </a:rPr>
-              <a:t>/10.1016/j.cell.2012.02.053   Chen, E. Y., Xu, H., </a:t>
+              <a:t>Chen, E. Y., Xu, H., </a:t>
             </a:r>
             <a:r>
               <a:rPr lang="en-US" sz="2000" dirty="0" err="1">
@@ -6143,7 +6193,7 @@
         </p:nvSpPr>
         <p:spPr>
           <a:xfrm>
-            <a:off x="12630839" y="27655423"/>
+            <a:off x="12317074" y="29009338"/>
             <a:ext cx="2111772" cy="2862322"/>
           </a:xfrm>
           <a:prstGeom prst="rect">
@@ -6191,7 +6241,7 @@
         <p:spPr>
           <a:xfrm>
             <a:off x="39700200" y="20345400"/>
-            <a:ext cx="8458200" cy="5478423"/>
+            <a:ext cx="8458200" cy="5093702"/>
           </a:xfrm>
           <a:prstGeom prst="rect">
             <a:avLst/>
@@ -6219,7 +6269,7 @@
                 </a:solidFill>
                 <a:cs typeface="Arial" pitchFamily="34" charset="0"/>
               </a:rPr>
-              <a:t>Using optimized parameters, X2K can recover the “correct” kinases at level of ~XX-25% depending on the particular dataset that is . This is considerably greater than chance (~XX-6%).   </a:t>
+              <a:t>Using optimized parameters, X2K can recover the “correct” kinases with ~20-28% accuracy depending on the particular dataset. This is considerably greater than chance (4.22%).   </a:t>
             </a:r>
           </a:p>
           <a:p>
@@ -6234,7 +6284,7 @@
                 </a:solidFill>
                 <a:cs typeface="Arial" pitchFamily="34" charset="0"/>
               </a:rPr>
-              <a:t>Potentially greater rates of kinase recovery and consistency across validation datasets can be achieved by adding additional databases.  </a:t>
+              <a:t>Potentially greater rates of kinase recovery and consistency across validation datasets can be achieved by adding additional databases and parameters. </a:t>
             </a:r>
           </a:p>
           <a:p>
@@ -6383,7 +6433,7 @@
         <p:spPr>
           <a:xfrm>
             <a:off x="12039600" y="16669732"/>
-            <a:ext cx="8125611" cy="8940909"/>
+            <a:ext cx="8125611" cy="7402026"/>
           </a:xfrm>
           <a:prstGeom prst="rect">
             <a:avLst/>
@@ -6422,7 +6472,7 @@
                 </a:solidFill>
                 <a:cs typeface="Arial" pitchFamily="34" charset="0"/>
               </a:rPr>
-              <a:t>X2K has modifiable parameters at each step, for example: gene set library selection, enrichment analysis method, and PPI path length. By implementing genetic algorithms (GA), the X2K pipeline can be optimized to find combinations of parameters that can best recover the "correct" protein kinases responsible for the observed changes in expression. </a:t>
+              <a:t>The GA operates by producing a population of random binary strings that map onto modifiable parameters in each step of X2K, runs the X2K pipeline each string's corresponding parameter combination to assess fitness, crosses over the fittest individuals to create a new population, introduces random mutations, and repeating until the population fitness stabilizes (Fig 3).</a:t>
             </a:r>
           </a:p>
           <a:p>
@@ -6448,7 +6498,7 @@
                 </a:solidFill>
                 <a:cs typeface="Arial" pitchFamily="34" charset="0"/>
               </a:rPr>
-              <a:t>Generations: 10 </a:t>
+              <a:t>Generations: 10; Population Size: 100/generation </a:t>
             </a:r>
           </a:p>
           <a:p>
@@ -6463,7 +6513,7 @@
                 </a:solidFill>
                 <a:cs typeface="Arial" pitchFamily="34" charset="0"/>
               </a:rPr>
-              <a:t>Population Size: 100/generation </a:t>
+              <a:t>Number of fittest individuals per generation bred (and then retained in next population): 10</a:t>
             </a:r>
           </a:p>
           <a:p>
@@ -6478,16 +6528,18 @@
                 </a:solidFill>
                 <a:cs typeface="Arial" pitchFamily="34" charset="0"/>
               </a:rPr>
-              <a:t>Number </a:t>
-            </a:r>
-            <a:r>
-              <a:rPr lang="en-US" sz="2500">
-                <a:solidFill>
-                  <a:schemeClr val="bg1"/>
-                </a:solidFill>
-                <a:cs typeface="Arial" pitchFamily="34" charset="0"/>
-              </a:rPr>
-              <a:t>of fittest </a:t>
+              <a:t>Crossover points: 3; Random mutation rate: 0.01 </a:t>
+            </a:r>
+          </a:p>
+          <a:p>
+            <a:r>
+              <a:rPr lang="en-US" sz="2500" i="1" dirty="0">
+                <a:solidFill>
+                  <a:schemeClr val="bg1"/>
+                </a:solidFill>
+                <a:cs typeface="Arial" pitchFamily="34" charset="0"/>
+              </a:rPr>
+              <a:t>Validation</a:t>
             </a:r>
             <a:r>
               <a:rPr lang="en-US" sz="2500" dirty="0">
@@ -6496,48 +6548,7 @@
                 </a:solidFill>
                 <a:cs typeface="Arial" pitchFamily="34" charset="0"/>
               </a:rPr>
-              <a:t>individuals per generation bred (and then retained in next population): 10</a:t>
-            </a:r>
-          </a:p>
-          <a:p>
-            <a:pPr marL="514350" indent="-514350">
-              <a:buFont typeface="Arial"/>
-              <a:buChar char="•"/>
-            </a:pPr>
-            <a:r>
-              <a:rPr lang="en-US" sz="2500" dirty="0">
-                <a:solidFill>
-                  <a:schemeClr val="bg1"/>
-                </a:solidFill>
-                <a:cs typeface="Arial" pitchFamily="34" charset="0"/>
-              </a:rPr>
-              <a:t>Crossover points: 3</a:t>
-            </a:r>
-          </a:p>
-          <a:p>
-            <a:pPr marL="514350" indent="-514350">
-              <a:buFont typeface="Arial"/>
-              <a:buChar char="•"/>
-            </a:pPr>
-            <a:r>
-              <a:rPr lang="en-US" sz="2500" dirty="0">
-                <a:solidFill>
-                  <a:schemeClr val="bg1"/>
-                </a:solidFill>
-                <a:cs typeface="Arial" pitchFamily="34" charset="0"/>
-              </a:rPr>
-              <a:t>Random mutation rate: 0.01 </a:t>
-            </a:r>
-          </a:p>
-          <a:p>
-            <a:r>
-              <a:rPr lang="en-US" sz="2500" dirty="0">
-                <a:solidFill>
-                  <a:schemeClr val="bg1"/>
-                </a:solidFill>
-                <a:cs typeface="Arial" pitchFamily="34" charset="0"/>
-              </a:rPr>
-              <a:t>To assess the ability of each X2K parameter combination to recover kinases, differentially expressed genes from kinase perturbation experiments were compiled from Gene Expression Omnibus (GEO), or from the LINCS L1000 data. Fitness scores of each parameter combination are defined as the % of experiments in which the known perturbed kinase was recovered, weighted by the perturbed kinase's ranking in the significance-ordered output. </a:t>
+              <a:t>: To assess the ability of each X2K parameter combination to recover kinases, differentially expressed genes from kinase perturbation experiments were compiled from the Gene Expression Omnibus (GEO) (Run 1), or from the LINCS L1000 data using the Drug Repurposing Hub to identify kinase inhibitor drug targets (Run 2). </a:t>
             </a:r>
           </a:p>
         </p:txBody>
@@ -6645,12 +6656,261 @@
           </a:p>
         </p:txBody>
       </p:sp>
+      <p:sp>
+        <p:nvSpPr>
+          <p:cNvPr id="56" name="TextBox 55">
+            <a:extLst>
+              <a:ext uri="{FF2B5EF4-FFF2-40B4-BE49-F238E27FC236}">
+                <a16:creationId xmlns:a16="http://schemas.microsoft.com/office/drawing/2014/main" id="{4A440825-C8FC-9E41-ACC2-4ECCE7B840E2}"/>
+              </a:ext>
+            </a:extLst>
+          </p:cNvPr>
+          <p:cNvSpPr txBox="1"/>
+          <p:nvPr/>
+        </p:nvSpPr>
+        <p:spPr>
+          <a:xfrm>
+            <a:off x="33756600" y="13542338"/>
+            <a:ext cx="5105400" cy="5093702"/>
+          </a:xfrm>
+          <a:prstGeom prst="rect">
+            <a:avLst/>
+          </a:prstGeom>
+          <a:noFill/>
+          <a:ln>
+            <a:solidFill>
+              <a:srgbClr val="8000FF"/>
+            </a:solidFill>
+          </a:ln>
+        </p:spPr>
+        <p:txBody>
+          <a:bodyPr wrap="square" rtlCol="0">
+            <a:spAutoFit/>
+          </a:bodyPr>
+          <a:lstStyle>
+            <a:defPPr>
+              <a:defRPr kern="1200" smtId="4294967295"/>
+            </a:defPPr>
+          </a:lstStyle>
+          <a:p>
+            <a:r>
+              <a:rPr lang="en-US" sz="2500" b="1" dirty="0">
+                <a:solidFill>
+                  <a:schemeClr val="bg1"/>
+                </a:solidFill>
+                <a:cs typeface="Arial" pitchFamily="34" charset="0"/>
+              </a:rPr>
+              <a:t>Main Results:   </a:t>
+            </a:r>
+          </a:p>
+          <a:p>
+            <a:pPr marL="342900" indent="-342900">
+              <a:buFont typeface="Arial" panose="020B0604020202020204" pitchFamily="34" charset="0"/>
+              <a:buChar char="•"/>
+            </a:pPr>
+            <a:r>
+              <a:rPr lang="en-US" sz="2500" dirty="0">
+                <a:solidFill>
+                  <a:schemeClr val="bg1"/>
+                </a:solidFill>
+                <a:cs typeface="Arial" pitchFamily="34" charset="0"/>
+              </a:rPr>
+              <a:t>Stabilized after ~8 generations  </a:t>
+            </a:r>
+          </a:p>
+          <a:p>
+            <a:pPr marL="342900" indent="-342900">
+              <a:buFont typeface="Arial" panose="020B0604020202020204" pitchFamily="34" charset="0"/>
+              <a:buChar char="•"/>
+            </a:pPr>
+            <a:r>
+              <a:rPr lang="en-US" sz="2500" dirty="0">
+                <a:solidFill>
+                  <a:schemeClr val="bg1"/>
+                </a:solidFill>
+                <a:cs typeface="Arial" pitchFamily="34" charset="0"/>
+              </a:rPr>
+              <a:t>Average fitness stabilized at ~26%  </a:t>
+            </a:r>
+          </a:p>
+          <a:p>
+            <a:pPr marL="342900" indent="-342900">
+              <a:buFont typeface="Arial" panose="020B0604020202020204" pitchFamily="34" charset="0"/>
+              <a:buChar char="•"/>
+            </a:pPr>
+            <a:r>
+              <a:rPr lang="en-US" sz="2500" dirty="0">
+                <a:solidFill>
+                  <a:schemeClr val="bg1"/>
+                </a:solidFill>
+                <a:cs typeface="Arial" pitchFamily="34" charset="0"/>
+              </a:rPr>
+              <a:t>Peak fitness = ~28% of kinases recovered  </a:t>
+            </a:r>
+          </a:p>
+          <a:p>
+            <a:pPr marL="342900" indent="-342900">
+              <a:buFont typeface="Arial" panose="020B0604020202020204" pitchFamily="34" charset="0"/>
+              <a:buChar char="•"/>
+            </a:pPr>
+            <a:r>
+              <a:rPr lang="en-US" sz="2500" dirty="0">
+                <a:solidFill>
+                  <a:schemeClr val="bg1"/>
+                </a:solidFill>
+                <a:cs typeface="Arial" pitchFamily="34" charset="0"/>
+              </a:rPr>
+              <a:t>Average PPI size = 2,353 proteins  </a:t>
+            </a:r>
+          </a:p>
+          <a:p>
+            <a:pPr marL="342900" indent="-342900">
+              <a:buFont typeface="Arial" panose="020B0604020202020204" pitchFamily="34" charset="0"/>
+              <a:buChar char="•"/>
+            </a:pPr>
+            <a:r>
+              <a:rPr lang="en-US" sz="2500" dirty="0">
+                <a:solidFill>
+                  <a:schemeClr val="bg1"/>
+                </a:solidFill>
+                <a:cs typeface="Arial" pitchFamily="34" charset="0"/>
+              </a:rPr>
+              <a:t>All parameters had a significant impact on fitness (p&lt;0.0001). </a:t>
+            </a:r>
+          </a:p>
+          <a:p>
+            <a:pPr marL="342900" indent="-342900">
+              <a:buFont typeface="Arial" panose="020B0604020202020204" pitchFamily="34" charset="0"/>
+              <a:buChar char="•"/>
+            </a:pPr>
+            <a:r>
+              <a:rPr lang="en-US" sz="2500" dirty="0">
+                <a:solidFill>
+                  <a:schemeClr val="bg1"/>
+                </a:solidFill>
+                <a:cs typeface="Arial" pitchFamily="34" charset="0"/>
+              </a:rPr>
+              <a:t>While there were similar patterns of increasing peak fitness over generations, the Training and Test data did differ significantly on this run (p&lt;0.001). </a:t>
+            </a:r>
+          </a:p>
+        </p:txBody>
+      </p:sp>
+      <p:sp>
+        <p:nvSpPr>
+          <p:cNvPr id="100" name="TextBox 99"/>
+          <p:cNvSpPr txBox="1"/>
+          <p:nvPr/>
+        </p:nvSpPr>
+        <p:spPr>
+          <a:xfrm>
+            <a:off x="20576018" y="19126200"/>
+            <a:ext cx="18285982" cy="938719"/>
+          </a:xfrm>
+          <a:prstGeom prst="rect">
+            <a:avLst/>
+          </a:prstGeom>
+          <a:gradFill flip="none" rotWithShape="1">
+            <a:gsLst>
+              <a:gs pos="100000">
+                <a:srgbClr val="8000FF"/>
+              </a:gs>
+              <a:gs pos="0">
+                <a:srgbClr val="FF00FF"/>
+              </a:gs>
+            </a:gsLst>
+            <a:lin ang="0" scaled="1"/>
+            <a:tileRect/>
+          </a:gradFill>
+        </p:spPr>
+        <p:txBody>
+          <a:bodyPr wrap="square" rtlCol="0">
+            <a:spAutoFit/>
+          </a:bodyPr>
+          <a:lstStyle>
+            <a:defPPr>
+              <a:defRPr kern="1200" smtId="4294967295"/>
+            </a:defPPr>
+          </a:lstStyle>
+          <a:p>
+            <a:r>
+              <a:rPr lang="en-US" sz="3000" b="1" dirty="0">
+                <a:solidFill>
+                  <a:schemeClr val="bg1"/>
+                </a:solidFill>
+                <a:cs typeface="Arial" pitchFamily="34" charset="0"/>
+              </a:rPr>
+              <a:t>[Run 2]:  X2K GA Results Using LINCS L1000 Drug Perturbation Data + Drug Repurposing Hub</a:t>
+            </a:r>
+          </a:p>
+          <a:p>
+            <a:endParaRPr lang="en-US" sz="2500" dirty="0">
+              <a:solidFill>
+                <a:schemeClr val="bg1"/>
+              </a:solidFill>
+              <a:cs typeface="Arial" pitchFamily="34" charset="0"/>
+            </a:endParaRPr>
+          </a:p>
+        </p:txBody>
+      </p:sp>
+      <p:sp>
+        <p:nvSpPr>
+          <p:cNvPr id="98" name="TextBox 97">
+            <a:extLst>
+              <a:ext uri="{FF2B5EF4-FFF2-40B4-BE49-F238E27FC236}">
+                <a16:creationId xmlns:a16="http://schemas.microsoft.com/office/drawing/2014/main" id="{603BBB64-5FEB-D842-B702-C5883E25FBAF}"/>
+              </a:ext>
+            </a:extLst>
+          </p:cNvPr>
+          <p:cNvSpPr txBox="1"/>
+          <p:nvPr/>
+        </p:nvSpPr>
+        <p:spPr>
+          <a:xfrm>
+            <a:off x="6858000" y="14681724"/>
+            <a:ext cx="9493387" cy="400110"/>
+          </a:xfrm>
+          <a:prstGeom prst="rect">
+            <a:avLst/>
+          </a:prstGeom>
+          <a:noFill/>
+        </p:spPr>
+        <p:txBody>
+          <a:bodyPr wrap="square" rtlCol="0">
+            <a:spAutoFit/>
+          </a:bodyPr>
+          <a:lstStyle>
+            <a:defPPr>
+              <a:defRPr kern="1200" smtId="4294967295"/>
+            </a:defPPr>
+          </a:lstStyle>
+          <a:p>
+            <a:r>
+              <a:rPr lang="en-US" sz="2000" b="1" dirty="0">
+                <a:solidFill>
+                  <a:schemeClr val="bg1"/>
+                </a:solidFill>
+                <a:cs typeface="Arial" pitchFamily="34" charset="0"/>
+              </a:rPr>
+              <a:t>Fig 1</a:t>
+            </a:r>
+            <a:r>
+              <a:rPr lang="en-US" sz="2000" dirty="0">
+                <a:solidFill>
+                  <a:schemeClr val="bg1"/>
+                </a:solidFill>
+                <a:cs typeface="Arial" pitchFamily="34" charset="0"/>
+              </a:rPr>
+              <a:t>. The X2K Web landing page and an example of its output.</a:t>
+            </a:r>
+          </a:p>
+        </p:txBody>
+      </p:sp>
       <p:pic>
         <p:nvPicPr>
-          <p:cNvPr id="55" name="Picture 54">
+          <p:cNvPr id="67" name="Picture 66">
             <a:extLst>
               <a:ext uri="{FF2B5EF4-FFF2-40B4-BE49-F238E27FC236}">
-                <a16:creationId xmlns:a16="http://schemas.microsoft.com/office/drawing/2014/main" id="{DDD48DEE-26BA-274D-9FB1-0A93E7689DEE}"/>
+                <a16:creationId xmlns:a16="http://schemas.microsoft.com/office/drawing/2014/main" id="{6EABAFD1-6AF2-9645-B966-DDADD9499738}"/>
               </a:ext>
             </a:extLst>
           </p:cNvPr>
@@ -6673,8 +6933,8 @@
         </p:blipFill>
         <p:spPr>
           <a:xfrm>
-            <a:off x="32105493" y="7539106"/>
-            <a:ext cx="6604107" cy="4652894"/>
+            <a:off x="1447800" y="10668000"/>
+            <a:ext cx="7667932" cy="3878225"/>
           </a:xfrm>
           <a:prstGeom prst="rect">
             <a:avLst/>
@@ -6683,20 +6943,71 @@
       </p:pic>
       <p:sp>
         <p:nvSpPr>
-          <p:cNvPr id="56" name="TextBox 55">
+          <p:cNvPr id="68" name="Right Arrow 67">
             <a:extLst>
               <a:ext uri="{FF2B5EF4-FFF2-40B4-BE49-F238E27FC236}">
-                <a16:creationId xmlns:a16="http://schemas.microsoft.com/office/drawing/2014/main" id="{4A440825-C8FC-9E41-ACC2-4ECCE7B840E2}"/>
+                <a16:creationId xmlns:a16="http://schemas.microsoft.com/office/drawing/2014/main" id="{44FBD411-C6F2-A44F-9396-71F818761FB3}"/>
               </a:ext>
             </a:extLst>
           </p:cNvPr>
-          <p:cNvSpPr txBox="1"/>
+          <p:cNvSpPr/>
           <p:nvPr/>
         </p:nvSpPr>
         <p:spPr>
           <a:xfrm>
-            <a:off x="32133570" y="13083945"/>
-            <a:ext cx="6760849" cy="4324261"/>
+            <a:off x="9299828" y="11886314"/>
+            <a:ext cx="1639217" cy="1260524"/>
+          </a:xfrm>
+          <a:prstGeom prst="rightArrow">
+            <a:avLst/>
+          </a:prstGeom>
+          <a:ln>
+            <a:solidFill>
+              <a:schemeClr val="bg1"/>
+            </a:solidFill>
+          </a:ln>
+        </p:spPr>
+        <p:style>
+          <a:lnRef idx="2">
+            <a:schemeClr val="accent1">
+              <a:shade val="50000"/>
+            </a:schemeClr>
+          </a:lnRef>
+          <a:fillRef idx="1">
+            <a:schemeClr val="accent1"/>
+          </a:fillRef>
+          <a:effectRef idx="0">
+            <a:schemeClr val="accent1"/>
+          </a:effectRef>
+          <a:fontRef idx="minor">
+            <a:schemeClr val="lt1"/>
+          </a:fontRef>
+        </p:style>
+        <p:txBody>
+          <a:bodyPr rtlCol="0" anchor="ctr"/>
+          <a:lstStyle/>
+          <a:p>
+            <a:pPr algn="ctr"/>
+            <a:endParaRPr lang="en-US"/>
+          </a:p>
+        </p:txBody>
+      </p:sp>
+      <p:sp>
+        <p:nvSpPr>
+          <p:cNvPr id="99" name="Rectangle 98">
+            <a:extLst>
+              <a:ext uri="{FF2B5EF4-FFF2-40B4-BE49-F238E27FC236}">
+                <a16:creationId xmlns:a16="http://schemas.microsoft.com/office/drawing/2014/main" id="{9C2F6DCA-592A-B448-9445-D6D084917C86}"/>
+              </a:ext>
+            </a:extLst>
+          </p:cNvPr>
+          <p:cNvSpPr/>
+          <p:nvPr/>
+        </p:nvSpPr>
+        <p:spPr>
+          <a:xfrm>
+            <a:off x="2351622" y="12108567"/>
+            <a:ext cx="3366806" cy="2102174"/>
           </a:xfrm>
           <a:prstGeom prst="rect">
             <a:avLst/>
@@ -6704,203 +7015,41 @@
           <a:noFill/>
           <a:ln>
             <a:solidFill>
-              <a:srgbClr val="8000FF"/>
+              <a:srgbClr val="FF00FF"/>
             </a:solidFill>
           </a:ln>
         </p:spPr>
-        <p:txBody>
-          <a:bodyPr wrap="square" rtlCol="0">
-            <a:spAutoFit/>
-          </a:bodyPr>
-          <a:lstStyle>
-            <a:defPPr>
-              <a:defRPr kern="1200" smtId="4294967295"/>
-            </a:defPPr>
-          </a:lstStyle>
-          <a:p>
-            <a:r>
-              <a:rPr lang="en-US" sz="2500" b="1" dirty="0">
-                <a:solidFill>
-                  <a:schemeClr val="bg1"/>
-                </a:solidFill>
-                <a:cs typeface="Arial" pitchFamily="34" charset="0"/>
-              </a:rPr>
-              <a:t>Main Results:   </a:t>
-            </a:r>
-          </a:p>
-          <a:p>
-            <a:pPr marL="342900" indent="-342900">
-              <a:buFont typeface="Arial" panose="020B0604020202020204" pitchFamily="34" charset="0"/>
-              <a:buChar char="•"/>
-            </a:pPr>
-            <a:r>
-              <a:rPr lang="en-US" sz="2500" dirty="0">
-                <a:solidFill>
-                  <a:schemeClr val="bg1"/>
-                </a:solidFill>
-                <a:cs typeface="Arial" pitchFamily="34" charset="0"/>
-              </a:rPr>
-              <a:t>Stabilized after ~5 generations  </a:t>
-            </a:r>
-          </a:p>
-          <a:p>
-            <a:pPr marL="342900" indent="-342900">
-              <a:buFont typeface="Arial" panose="020B0604020202020204" pitchFamily="34" charset="0"/>
-              <a:buChar char="•"/>
-            </a:pPr>
-            <a:r>
-              <a:rPr lang="en-US" sz="2500" dirty="0">
-                <a:solidFill>
-                  <a:schemeClr val="bg1"/>
-                </a:solidFill>
-                <a:cs typeface="Arial" pitchFamily="34" charset="0"/>
-              </a:rPr>
-              <a:t>Average fitness stabilized at ~22%  </a:t>
-            </a:r>
-          </a:p>
-          <a:p>
-            <a:pPr marL="342900" indent="-342900">
-              <a:buFont typeface="Arial" panose="020B0604020202020204" pitchFamily="34" charset="0"/>
-              <a:buChar char="•"/>
-            </a:pPr>
-            <a:r>
-              <a:rPr lang="en-US" sz="2500" dirty="0">
-                <a:solidFill>
-                  <a:schemeClr val="bg1"/>
-                </a:solidFill>
-                <a:cs typeface="Arial" pitchFamily="34" charset="0"/>
-              </a:rPr>
-              <a:t>Peak fitness = 2% of kinases recovered  </a:t>
-            </a:r>
-          </a:p>
-          <a:p>
-            <a:pPr marL="342900" indent="-342900">
-              <a:buFont typeface="Arial" panose="020B0604020202020204" pitchFamily="34" charset="0"/>
-              <a:buChar char="•"/>
-            </a:pPr>
-            <a:r>
-              <a:rPr lang="en-US" sz="2500" dirty="0">
-                <a:solidFill>
-                  <a:schemeClr val="bg1"/>
-                </a:solidFill>
-                <a:cs typeface="Arial" pitchFamily="34" charset="0"/>
-              </a:rPr>
-              <a:t>Average PPI size = 477 proteins  </a:t>
-            </a:r>
-          </a:p>
-          <a:p>
-            <a:pPr marL="342900" indent="-342900">
-              <a:buFont typeface="Arial" panose="020B0604020202020204" pitchFamily="34" charset="0"/>
-              <a:buChar char="•"/>
-            </a:pPr>
-            <a:r>
-              <a:rPr lang="en-US" sz="2500" dirty="0">
-                <a:solidFill>
-                  <a:schemeClr val="bg1"/>
-                </a:solidFill>
-                <a:cs typeface="Arial" pitchFamily="34" charset="0"/>
-              </a:rPr>
-              <a:t>All parameters except </a:t>
-            </a:r>
-            <a:r>
-              <a:rPr lang="en-US" sz="2500">
-                <a:solidFill>
-                  <a:schemeClr val="bg1"/>
-                </a:solidFill>
-                <a:cs typeface="Arial" pitchFamily="34" charset="0"/>
-              </a:rPr>
-              <a:t>KINASE_Database</a:t>
-            </a:r>
-            <a:r>
-              <a:rPr lang="en-US" sz="2500" dirty="0">
-                <a:solidFill>
-                  <a:schemeClr val="bg1"/>
-                </a:solidFill>
-                <a:cs typeface="Arial" pitchFamily="34" charset="0"/>
-              </a:rPr>
-              <a:t> had a significant impact on fitness. </a:t>
-            </a:r>
-          </a:p>
-          <a:p>
-            <a:pPr marL="342900" indent="-342900">
-              <a:buFont typeface="Arial" panose="020B0604020202020204" pitchFamily="34" charset="0"/>
-              <a:buChar char="•"/>
-            </a:pPr>
-            <a:r>
-              <a:rPr lang="en-US" sz="2500" dirty="0">
-                <a:solidFill>
-                  <a:schemeClr val="bg1"/>
-                </a:solidFill>
-                <a:cs typeface="Arial" pitchFamily="34" charset="0"/>
-              </a:rPr>
-              <a:t>While there were similar patterns of increasing fitness over generations, the Training and Test data did differ significantly on this run (p&lt;0.001). </a:t>
-            </a:r>
-          </a:p>
-        </p:txBody>
-      </p:sp>
-      <p:sp>
-        <p:nvSpPr>
-          <p:cNvPr id="100" name="TextBox 99"/>
-          <p:cNvSpPr txBox="1"/>
-          <p:nvPr/>
-        </p:nvSpPr>
-        <p:spPr>
-          <a:xfrm>
-            <a:off x="20576018" y="19126200"/>
-            <a:ext cx="18285982" cy="938719"/>
-          </a:xfrm>
-          <a:prstGeom prst="rect">
-            <a:avLst/>
-          </a:prstGeom>
-          <a:gradFill flip="none" rotWithShape="1">
-            <a:gsLst>
-              <a:gs pos="100000">
-                <a:srgbClr val="8000FF"/>
-              </a:gs>
-              <a:gs pos="0">
-                <a:srgbClr val="FF00FF"/>
-              </a:gs>
-            </a:gsLst>
-            <a:lin ang="0" scaled="1"/>
-            <a:tileRect/>
-          </a:gradFill>
-        </p:spPr>
-        <p:txBody>
-          <a:bodyPr wrap="square" rtlCol="0">
-            <a:spAutoFit/>
-          </a:bodyPr>
-          <a:lstStyle>
-            <a:defPPr>
-              <a:defRPr kern="1200" smtId="4294967295"/>
-            </a:defPPr>
-          </a:lstStyle>
-          <a:p>
-            <a:r>
-              <a:rPr lang="en-US" sz="3000" b="1" dirty="0">
-                <a:solidFill>
-                  <a:schemeClr val="bg1"/>
-                </a:solidFill>
-                <a:cs typeface="Arial" pitchFamily="34" charset="0"/>
-              </a:rPr>
-              <a:t>[Run 2]:  X2K GA Results Using LINCS L1000 Drug Perturbation Data </a:t>
-            </a:r>
-          </a:p>
-          <a:p>
-            <a:endParaRPr lang="en-US" sz="2500" dirty="0">
-              <a:solidFill>
-                <a:schemeClr val="bg1"/>
-              </a:solidFill>
-              <a:cs typeface="Arial" pitchFamily="34" charset="0"/>
-            </a:endParaRPr>
-          </a:p>
-        </p:txBody>
-      </p:sp>
-      <p:sp>
-        <p:nvSpPr>
-          <p:cNvPr id="98" name="TextBox 97">
+        <p:style>
+          <a:lnRef idx="2">
+            <a:schemeClr val="accent1">
+              <a:shade val="50000"/>
+            </a:schemeClr>
+          </a:lnRef>
+          <a:fillRef idx="1">
+            <a:schemeClr val="accent1"/>
+          </a:fillRef>
+          <a:effectRef idx="0">
+            <a:schemeClr val="accent1"/>
+          </a:effectRef>
+          <a:fontRef idx="minor">
+            <a:schemeClr val="lt1"/>
+          </a:fontRef>
+        </p:style>
+        <p:txBody>
+          <a:bodyPr rtlCol="0" anchor="ctr"/>
+          <a:lstStyle/>
+          <a:p>
+            <a:pPr algn="ctr"/>
+            <a:endParaRPr lang="en-US"/>
+          </a:p>
+        </p:txBody>
+      </p:sp>
+      <p:sp>
+        <p:nvSpPr>
+          <p:cNvPr id="101" name="TextBox 100">
             <a:extLst>
               <a:ext uri="{FF2B5EF4-FFF2-40B4-BE49-F238E27FC236}">
-                <a16:creationId xmlns:a16="http://schemas.microsoft.com/office/drawing/2014/main" id="{603BBB64-5FEB-D842-B702-C5883E25FBAF}"/>
+                <a16:creationId xmlns:a16="http://schemas.microsoft.com/office/drawing/2014/main" id="{AC764E4A-AB0F-8B46-9242-C6DEFA46B7F0}"/>
               </a:ext>
             </a:extLst>
           </p:cNvPr>
@@ -6909,8 +7058,8 @@
         </p:nvSpPr>
         <p:spPr>
           <a:xfrm>
-            <a:off x="6858000" y="14681724"/>
-            <a:ext cx="9493387" cy="400110"/>
+            <a:off x="1471528" y="12446506"/>
+            <a:ext cx="917473" cy="1631216"/>
           </a:xfrm>
           <a:prstGeom prst="rect">
             <a:avLst/>
@@ -6921,12 +7070,47 @@
           <a:bodyPr wrap="square" rtlCol="0">
             <a:spAutoFit/>
           </a:bodyPr>
-          <a:lstStyle>
-            <a:defPPr>
-              <a:defRPr kern="1200" smtId="4294967295"/>
-            </a:defPPr>
-          </a:lstStyle>
-          <a:p>
+          <a:lstStyle/>
+          <a:p>
+            <a:pPr algn="ctr"/>
+            <a:r>
+              <a:rPr lang="en-US" sz="2000" dirty="0">
+                <a:solidFill>
+                  <a:srgbClr val="FF00FF"/>
+                </a:solidFill>
+              </a:rPr>
+              <a:t>Users submit gene lists here  </a:t>
+            </a:r>
+          </a:p>
+        </p:txBody>
+      </p:sp>
+      <p:sp>
+        <p:nvSpPr>
+          <p:cNvPr id="63" name="TextBox 62"/>
+          <p:cNvSpPr txBox="1"/>
+          <p:nvPr/>
+        </p:nvSpPr>
+        <p:spPr>
+          <a:xfrm>
+            <a:off x="1139572" y="30500091"/>
+            <a:ext cx="10770130" cy="1323439"/>
+          </a:xfrm>
+          <a:prstGeom prst="rect">
+            <a:avLst/>
+          </a:prstGeom>
+          <a:noFill/>
+        </p:spPr>
+        <p:txBody>
+          <a:bodyPr wrap="square" rtlCol="0">
+            <a:spAutoFit/>
+          </a:bodyPr>
+          <a:lstStyle>
+            <a:defPPr>
+              <a:defRPr kern="1200" smtId="4294967295"/>
+            </a:defPPr>
+          </a:lstStyle>
+          <a:p>
+            <a:pPr algn="r"/>
             <a:r>
               <a:rPr lang="en-US" sz="2000" b="1" dirty="0">
                 <a:solidFill>
@@ -6934,7 +7118,7 @@
                 </a:solidFill>
                 <a:cs typeface="Arial" pitchFamily="34" charset="0"/>
               </a:rPr>
-              <a:t>Fig1</a:t>
+              <a:t>Fig 2. </a:t>
             </a:r>
             <a:r>
               <a:rPr lang="en-US" sz="2000" dirty="0">
@@ -6943,17 +7127,17 @@
                 </a:solidFill>
                 <a:cs typeface="Arial" pitchFamily="34" charset="0"/>
               </a:rPr>
-              <a:t>. The X2K Web landing page and an example of its output.</a:t>
+              <a:t>Illustration of the X2K pipeline with the modifiable parameters for each respective step, along with several example options, and the total number of options. The gene sets are first entered by the user, which then goes through three stages of the X2K pipeline (TF-enrichment, PPI network construction, and Kinase enrichment) to produce a list of predicted kinases.</a:t>
             </a:r>
           </a:p>
         </p:txBody>
       </p:sp>
       <p:pic>
         <p:nvPicPr>
-          <p:cNvPr id="67" name="Picture 66">
+          <p:cNvPr id="23" name="Picture 22">
             <a:extLst>
               <a:ext uri="{FF2B5EF4-FFF2-40B4-BE49-F238E27FC236}">
-                <a16:creationId xmlns:a16="http://schemas.microsoft.com/office/drawing/2014/main" id="{6EABAFD1-6AF2-9645-B966-DDADD9499738}"/>
+                <a16:creationId xmlns:a16="http://schemas.microsoft.com/office/drawing/2014/main" id="{2C946067-1A44-9148-B569-A7667BD7B838}"/>
               </a:ext>
             </a:extLst>
           </p:cNvPr>
@@ -6976,8 +7160,8 @@
         </p:blipFill>
         <p:spPr>
           <a:xfrm>
-            <a:off x="1447800" y="10668000"/>
-            <a:ext cx="7667932" cy="3878225"/>
+            <a:off x="14665037" y="25256012"/>
+            <a:ext cx="6083300" cy="6438900"/>
           </a:xfrm>
           <a:prstGeom prst="rect">
             <a:avLst/>
@@ -6986,71 +7170,190 @@
       </p:pic>
       <p:sp>
         <p:nvSpPr>
-          <p:cNvPr id="68" name="Right Arrow 67">
+          <p:cNvPr id="81" name="TextBox 80">
             <a:extLst>
               <a:ext uri="{FF2B5EF4-FFF2-40B4-BE49-F238E27FC236}">
-                <a16:creationId xmlns:a16="http://schemas.microsoft.com/office/drawing/2014/main" id="{44FBD411-C6F2-A44F-9396-71F818761FB3}"/>
+                <a16:creationId xmlns:a16="http://schemas.microsoft.com/office/drawing/2014/main" id="{03DB8B80-4F02-6344-A8F2-C633429D94CE}"/>
               </a:ext>
             </a:extLst>
           </p:cNvPr>
-          <p:cNvSpPr/>
+          <p:cNvSpPr txBox="1"/>
           <p:nvPr/>
         </p:nvSpPr>
         <p:spPr>
           <a:xfrm>
-            <a:off x="9299828" y="11886314"/>
-            <a:ext cx="1639217" cy="1260524"/>
-          </a:xfrm>
-          <a:prstGeom prst="rightArrow">
+            <a:off x="30955090" y="15842836"/>
+            <a:ext cx="2877710" cy="3170099"/>
+          </a:xfrm>
+          <a:prstGeom prst="rect">
             <a:avLst/>
           </a:prstGeom>
-          <a:ln>
-            <a:solidFill>
-              <a:schemeClr val="bg1"/>
-            </a:solidFill>
-          </a:ln>
-        </p:spPr>
-        <p:style>
-          <a:lnRef idx="2">
-            <a:schemeClr val="accent1">
-              <a:shade val="50000"/>
-            </a:schemeClr>
-          </a:lnRef>
-          <a:fillRef idx="1">
-            <a:schemeClr val="accent1"/>
-          </a:fillRef>
-          <a:effectRef idx="0">
-            <a:schemeClr val="accent1"/>
-          </a:effectRef>
-          <a:fontRef idx="minor">
-            <a:schemeClr val="lt1"/>
-          </a:fontRef>
-        </p:style>
-        <p:txBody>
-          <a:bodyPr rtlCol="0" anchor="ctr"/>
-          <a:lstStyle/>
-          <a:p>
-            <a:pPr algn="ctr"/>
-            <a:endParaRPr lang="en-US"/>
-          </a:p>
-        </p:txBody>
-      </p:sp>
-      <p:sp>
-        <p:nvSpPr>
-          <p:cNvPr id="99" name="Rectangle 98">
+          <a:noFill/>
+        </p:spPr>
+        <p:txBody>
+          <a:bodyPr wrap="square" rtlCol="0">
+            <a:spAutoFit/>
+          </a:bodyPr>
+          <a:lstStyle>
+            <a:defPPr>
+              <a:defRPr kern="1200" smtId="4294967295"/>
+            </a:defPPr>
+          </a:lstStyle>
+          <a:p>
+            <a:r>
+              <a:rPr lang="en-US" sz="2000" b="1" dirty="0">
+                <a:solidFill>
+                  <a:schemeClr val="bg1"/>
+                </a:solidFill>
+                <a:cs typeface="Arial" pitchFamily="34" charset="0"/>
+              </a:rPr>
+              <a:t>Fig 4.</a:t>
+            </a:r>
+            <a:r>
+              <a:rPr lang="en-US" sz="2000" dirty="0">
+                <a:solidFill>
+                  <a:schemeClr val="bg1"/>
+                </a:solidFill>
+                <a:cs typeface="Arial" pitchFamily="34" charset="0"/>
+              </a:rPr>
+              <a:t> Parameter evolution over generations in GA optimization (A). Overfitting test results between training data and test data using average fitness across </a:t>
+            </a:r>
+          </a:p>
+          <a:p>
+            <a:r>
+              <a:rPr lang="en-US" sz="2000" dirty="0">
+                <a:solidFill>
+                  <a:schemeClr val="bg1"/>
+                </a:solidFill>
+                <a:cs typeface="Arial" pitchFamily="34" charset="0"/>
+              </a:rPr>
+              <a:t>the entire population (B) and peak fitness (C).</a:t>
+            </a:r>
+          </a:p>
+        </p:txBody>
+      </p:sp>
+      <p:sp>
+        <p:nvSpPr>
+          <p:cNvPr id="90" name="TextBox 89">
             <a:extLst>
               <a:ext uri="{FF2B5EF4-FFF2-40B4-BE49-F238E27FC236}">
-                <a16:creationId xmlns:a16="http://schemas.microsoft.com/office/drawing/2014/main" id="{9C2F6DCA-592A-B448-9445-D6D084917C86}"/>
+                <a16:creationId xmlns:a16="http://schemas.microsoft.com/office/drawing/2014/main" id="{6484D52B-50C2-3946-9E76-8E67A66D9191}"/>
               </a:ext>
             </a:extLst>
           </p:cNvPr>
-          <p:cNvSpPr/>
+          <p:cNvSpPr txBox="1"/>
           <p:nvPr/>
         </p:nvSpPr>
         <p:spPr>
           <a:xfrm>
-            <a:off x="2351622" y="12108567"/>
-            <a:ext cx="3366806" cy="2102174"/>
+            <a:off x="31278542" y="12427376"/>
+            <a:ext cx="6909786" cy="707886"/>
+          </a:xfrm>
+          <a:prstGeom prst="rect">
+            <a:avLst/>
+          </a:prstGeom>
+          <a:noFill/>
+        </p:spPr>
+        <p:txBody>
+          <a:bodyPr wrap="square" rtlCol="0">
+            <a:spAutoFit/>
+          </a:bodyPr>
+          <a:lstStyle>
+            <a:defPPr>
+              <a:defRPr kern="1200" smtId="4294967295"/>
+            </a:defPPr>
+          </a:lstStyle>
+          <a:p>
+            <a:r>
+              <a:rPr lang="en-US" sz="2000" b="1" dirty="0">
+                <a:solidFill>
+                  <a:schemeClr val="bg1"/>
+                </a:solidFill>
+                <a:cs typeface="Arial" pitchFamily="34" charset="0"/>
+              </a:rPr>
+              <a:t>Table 1.</a:t>
+            </a:r>
+            <a:r>
+              <a:rPr lang="en-US" sz="2000" dirty="0">
+                <a:solidFill>
+                  <a:schemeClr val="bg1"/>
+                </a:solidFill>
+                <a:cs typeface="Arial" pitchFamily="34" charset="0"/>
+              </a:rPr>
+              <a:t> Results of a series of one-way ANOVAs statistically testing the relationship between fitness and each parameter.</a:t>
+            </a:r>
+          </a:p>
+        </p:txBody>
+      </p:sp>
+      <p:sp>
+        <p:nvSpPr>
+          <p:cNvPr id="91" name="TextBox 90">
+            <a:extLst>
+              <a:ext uri="{FF2B5EF4-FFF2-40B4-BE49-F238E27FC236}">
+                <a16:creationId xmlns:a16="http://schemas.microsoft.com/office/drawing/2014/main" id="{51B42B5C-734B-074A-B989-5F6FF34BE4C7}"/>
+              </a:ext>
+            </a:extLst>
+          </p:cNvPr>
+          <p:cNvSpPr txBox="1"/>
+          <p:nvPr/>
+        </p:nvSpPr>
+        <p:spPr>
+          <a:xfrm>
+            <a:off x="40001615" y="17866599"/>
+            <a:ext cx="7775783" cy="707886"/>
+          </a:xfrm>
+          <a:prstGeom prst="rect">
+            <a:avLst/>
+          </a:prstGeom>
+          <a:noFill/>
+        </p:spPr>
+        <p:txBody>
+          <a:bodyPr wrap="square" rtlCol="0">
+            <a:spAutoFit/>
+          </a:bodyPr>
+          <a:lstStyle>
+            <a:defPPr>
+              <a:defRPr kern="1200" smtId="4294967295"/>
+            </a:defPPr>
+          </a:lstStyle>
+          <a:p>
+            <a:r>
+              <a:rPr lang="en-US" sz="2000" b="1" dirty="0">
+                <a:solidFill>
+                  <a:schemeClr val="bg1"/>
+                </a:solidFill>
+                <a:cs typeface="Arial" pitchFamily="34" charset="0"/>
+              </a:rPr>
+              <a:t>Fig 6.</a:t>
+            </a:r>
+            <a:r>
+              <a:rPr lang="en-US" sz="2000" dirty="0">
+                <a:solidFill>
+                  <a:schemeClr val="bg1"/>
+                </a:solidFill>
+                <a:cs typeface="Arial" pitchFamily="34" charset="0"/>
+              </a:rPr>
+              <a:t> Consensus optimal parameter combinations as determined by the overlap of both GA runs.</a:t>
+            </a:r>
+          </a:p>
+        </p:txBody>
+      </p:sp>
+      <p:sp>
+        <p:nvSpPr>
+          <p:cNvPr id="105" name="TextBox 104">
+            <a:extLst>
+              <a:ext uri="{FF2B5EF4-FFF2-40B4-BE49-F238E27FC236}">
+                <a16:creationId xmlns:a16="http://schemas.microsoft.com/office/drawing/2014/main" id="{2509E33E-A8DE-2847-B7C6-A93473B718E6}"/>
+              </a:ext>
+            </a:extLst>
+          </p:cNvPr>
+          <p:cNvSpPr txBox="1"/>
+          <p:nvPr/>
+        </p:nvSpPr>
+        <p:spPr>
+          <a:xfrm>
+            <a:off x="33375600" y="26441400"/>
+            <a:ext cx="5442620" cy="5478423"/>
           </a:xfrm>
           <a:prstGeom prst="rect">
             <a:avLst/>
@@ -7058,41 +7361,128 @@
           <a:noFill/>
           <a:ln>
             <a:solidFill>
-              <a:srgbClr val="FF00FF"/>
+              <a:srgbClr val="8000FF"/>
             </a:solidFill>
           </a:ln>
         </p:spPr>
-        <p:style>
-          <a:lnRef idx="2">
-            <a:schemeClr val="accent1">
-              <a:shade val="50000"/>
-            </a:schemeClr>
-          </a:lnRef>
-          <a:fillRef idx="1">
-            <a:schemeClr val="accent1"/>
-          </a:fillRef>
-          <a:effectRef idx="0">
-            <a:schemeClr val="accent1"/>
-          </a:effectRef>
-          <a:fontRef idx="minor">
-            <a:schemeClr val="lt1"/>
-          </a:fontRef>
-        </p:style>
-        <p:txBody>
-          <a:bodyPr rtlCol="0" anchor="ctr"/>
-          <a:lstStyle/>
-          <a:p>
-            <a:pPr algn="ctr"/>
-            <a:endParaRPr lang="en-US"/>
-          </a:p>
-        </p:txBody>
-      </p:sp>
-      <p:sp>
-        <p:nvSpPr>
-          <p:cNvPr id="101" name="TextBox 100">
+        <p:txBody>
+          <a:bodyPr wrap="square" rtlCol="0">
+            <a:spAutoFit/>
+          </a:bodyPr>
+          <a:lstStyle>
+            <a:defPPr>
+              <a:defRPr kern="1200" smtId="4294967295"/>
+            </a:defPPr>
+          </a:lstStyle>
+          <a:p>
+            <a:r>
+              <a:rPr lang="en-US" sz="2500" b="1" dirty="0">
+                <a:solidFill>
+                  <a:schemeClr val="bg1"/>
+                </a:solidFill>
+                <a:cs typeface="Arial" pitchFamily="34" charset="0"/>
+              </a:rPr>
+              <a:t>Main Results:   </a:t>
+            </a:r>
+          </a:p>
+          <a:p>
+            <a:pPr marL="342900" indent="-342900">
+              <a:buFont typeface="Arial" panose="020B0604020202020204" pitchFamily="34" charset="0"/>
+              <a:buChar char="•"/>
+            </a:pPr>
+            <a:r>
+              <a:rPr lang="en-US" sz="2500" dirty="0">
+                <a:solidFill>
+                  <a:schemeClr val="bg1"/>
+                </a:solidFill>
+                <a:cs typeface="Arial" pitchFamily="34" charset="0"/>
+              </a:rPr>
+              <a:t>Stabilized after ~6 generations  </a:t>
+            </a:r>
+          </a:p>
+          <a:p>
+            <a:pPr marL="342900" indent="-342900">
+              <a:buFont typeface="Arial" panose="020B0604020202020204" pitchFamily="34" charset="0"/>
+              <a:buChar char="•"/>
+            </a:pPr>
+            <a:r>
+              <a:rPr lang="en-US" sz="2500" dirty="0">
+                <a:solidFill>
+                  <a:schemeClr val="bg1"/>
+                </a:solidFill>
+                <a:cs typeface="Arial" pitchFamily="34" charset="0"/>
+              </a:rPr>
+              <a:t>Average fitness stabilized at ~18%  </a:t>
+            </a:r>
+          </a:p>
+          <a:p>
+            <a:pPr marL="342900" indent="-342900">
+              <a:buFont typeface="Arial" panose="020B0604020202020204" pitchFamily="34" charset="0"/>
+              <a:buChar char="•"/>
+            </a:pPr>
+            <a:r>
+              <a:rPr lang="en-US" sz="2500" dirty="0">
+                <a:solidFill>
+                  <a:schemeClr val="bg1"/>
+                </a:solidFill>
+                <a:cs typeface="Arial" pitchFamily="34" charset="0"/>
+              </a:rPr>
+              <a:t>Peak fitness = ~20% of kinases recovered  </a:t>
+            </a:r>
+          </a:p>
+          <a:p>
+            <a:pPr marL="342900" indent="-342900">
+              <a:buFont typeface="Arial" panose="020B0604020202020204" pitchFamily="34" charset="0"/>
+              <a:buChar char="•"/>
+            </a:pPr>
+            <a:r>
+              <a:rPr lang="en-US" sz="2500" dirty="0">
+                <a:solidFill>
+                  <a:schemeClr val="bg1"/>
+                </a:solidFill>
+                <a:cs typeface="Arial" pitchFamily="34" charset="0"/>
+              </a:rPr>
+              <a:t>Average PPI size = 2,767 proteins  </a:t>
+            </a:r>
+          </a:p>
+          <a:p>
+            <a:pPr marL="342900" indent="-342900">
+              <a:buFont typeface="Arial" panose="020B0604020202020204" pitchFamily="34" charset="0"/>
+              <a:buChar char="•"/>
+            </a:pPr>
+            <a:r>
+              <a:rPr lang="en-US" sz="2500" dirty="0">
+                <a:solidFill>
+                  <a:schemeClr val="bg1"/>
+                </a:solidFill>
+                <a:cs typeface="Arial" pitchFamily="34" charset="0"/>
+              </a:rPr>
+              <a:t>All parameters had a significant impact on fitness (p&lt;0.0001).</a:t>
+            </a:r>
+          </a:p>
+          <a:p>
+            <a:pPr marL="342900" indent="-342900">
+              <a:buFont typeface="Arial" panose="020B0604020202020204" pitchFamily="34" charset="0"/>
+              <a:buChar char="•"/>
+            </a:pPr>
+            <a:r>
+              <a:rPr lang="en-US" sz="2500" dirty="0">
+                <a:solidFill>
+                  <a:schemeClr val="bg1"/>
+                </a:solidFill>
+                <a:cs typeface="Arial" pitchFamily="34" charset="0"/>
+              </a:rPr>
+              <a:t>While there were similar patterns of increasing fitness over generations, the Training and Test data did differ significantly on this run (p&lt;0.001) with the test data stabilizing at about 17% kinase recovery rate. </a:t>
+            </a:r>
+          </a:p>
+        </p:txBody>
+      </p:sp>
+      <p:sp>
+        <p:nvSpPr>
+          <p:cNvPr id="106" name="TextBox 105">
             <a:extLst>
               <a:ext uri="{FF2B5EF4-FFF2-40B4-BE49-F238E27FC236}">
-                <a16:creationId xmlns:a16="http://schemas.microsoft.com/office/drawing/2014/main" id="{AC764E4A-AB0F-8B46-9242-C6DEFA46B7F0}"/>
+                <a16:creationId xmlns:a16="http://schemas.microsoft.com/office/drawing/2014/main" id="{9FB9D60B-269E-B649-8746-AF3B5FD20B96}"/>
               </a:ext>
             </a:extLst>
           </p:cNvPr>
@@ -7101,8 +7491,8 @@
         </p:nvSpPr>
         <p:spPr>
           <a:xfrm>
-            <a:off x="1471528" y="12446506"/>
-            <a:ext cx="917473" cy="1631216"/>
+            <a:off x="31072600" y="28064888"/>
+            <a:ext cx="2303000" cy="3785652"/>
           </a:xfrm>
           <a:prstGeom prst="rect">
             <a:avLst/>
@@ -7113,30 +7503,49 @@
           <a:bodyPr wrap="square" rtlCol="0">
             <a:spAutoFit/>
           </a:bodyPr>
-          <a:lstStyle/>
-          <a:p>
-            <a:pPr algn="ctr"/>
+          <a:lstStyle>
+            <a:defPPr>
+              <a:defRPr kern="1200" smtId="4294967295"/>
+            </a:defPPr>
+          </a:lstStyle>
+          <a:p>
+            <a:r>
+              <a:rPr lang="en-US" sz="2000" b="1" dirty="0">
+                <a:solidFill>
+                  <a:schemeClr val="bg1"/>
+                </a:solidFill>
+                <a:cs typeface="Arial" pitchFamily="34" charset="0"/>
+              </a:rPr>
+              <a:t>Fig 5.</a:t>
+            </a:r>
             <a:r>
               <a:rPr lang="en-US" sz="2000" dirty="0">
                 <a:solidFill>
-                  <a:srgbClr val="FF00FF"/>
-                </a:solidFill>
-              </a:rPr>
-              <a:t>Users submit gene lists here  </a:t>
-            </a:r>
-          </a:p>
-        </p:txBody>
-      </p:sp>
-      <p:sp>
-        <p:nvSpPr>
-          <p:cNvPr id="63" name="TextBox 62"/>
+                  <a:schemeClr val="bg1"/>
+                </a:solidFill>
+                <a:cs typeface="Arial" pitchFamily="34" charset="0"/>
+              </a:rPr>
+              <a:t> Parameter evolution over generations in GA optimization (A). Overfitting test results between training data and test data using average fitness across the entire population (B) and peak fitness (C).</a:t>
+            </a:r>
+          </a:p>
+        </p:txBody>
+      </p:sp>
+      <p:sp>
+        <p:nvSpPr>
+          <p:cNvPr id="107" name="TextBox 106">
+            <a:extLst>
+              <a:ext uri="{FF2B5EF4-FFF2-40B4-BE49-F238E27FC236}">
+                <a16:creationId xmlns:a16="http://schemas.microsoft.com/office/drawing/2014/main" id="{EB707057-9C61-104A-9DF1-0E71951B4B6A}"/>
+              </a:ext>
+            </a:extLst>
+          </p:cNvPr>
           <p:cNvSpPr txBox="1"/>
           <p:nvPr/>
         </p:nvSpPr>
         <p:spPr>
           <a:xfrm>
-            <a:off x="974522" y="29495638"/>
-            <a:ext cx="10945932" cy="1323439"/>
+            <a:off x="31537140" y="25690870"/>
+            <a:ext cx="7396193" cy="707886"/>
           </a:xfrm>
           <a:prstGeom prst="rect">
             <a:avLst/>
@@ -7160,7 +7569,7 @@
                 </a:solidFill>
                 <a:cs typeface="Arial" pitchFamily="34" charset="0"/>
               </a:rPr>
-              <a:t>Fig 2. </a:t>
+              <a:t>Table 2.</a:t>
             </a:r>
             <a:r>
               <a:rPr lang="en-US" sz="2000" dirty="0">
@@ -7169,17 +7578,17 @@
                 </a:solidFill>
                 <a:cs typeface="Arial" pitchFamily="34" charset="0"/>
               </a:rPr>
-              <a:t>Illustration of the X2K pipeline with the modifiable parameters for each respective step, along with several example options, and the total number of options. The gene sets are first entered by the user, which then goes through three stages of the X2K pipeline (TF-enrichment, PPI network construction, and Kinase enrichment) to produce a list of predicted kinases.</a:t>
+              <a:t> Results of a series of one-way ANOVAs statistically testing the relationship between fitness and each parameter.</a:t>
             </a:r>
           </a:p>
         </p:txBody>
       </p:sp>
       <p:pic>
         <p:nvPicPr>
-          <p:cNvPr id="23" name="Picture 22">
+          <p:cNvPr id="59" name="Picture 58">
             <a:extLst>
               <a:ext uri="{FF2B5EF4-FFF2-40B4-BE49-F238E27FC236}">
-                <a16:creationId xmlns:a16="http://schemas.microsoft.com/office/drawing/2014/main" id="{2C946067-1A44-9148-B569-A7667BD7B838}"/>
+                <a16:creationId xmlns:a16="http://schemas.microsoft.com/office/drawing/2014/main" id="{3222FA98-8E60-8A4F-BB41-60800A64A924}"/>
               </a:ext>
             </a:extLst>
           </p:cNvPr>
@@ -7202,179 +7611,20 @@
         </p:blipFill>
         <p:spPr>
           <a:xfrm>
-            <a:off x="14665037" y="25256012"/>
-            <a:ext cx="6083300" cy="6438900"/>
+            <a:off x="1064645" y="24485379"/>
+            <a:ext cx="10753014" cy="6016156"/>
           </a:xfrm>
           <a:prstGeom prst="rect">
             <a:avLst/>
           </a:prstGeom>
         </p:spPr>
       </p:pic>
-      <p:sp>
-        <p:nvSpPr>
-          <p:cNvPr id="81" name="TextBox 80">
+      <p:pic>
+        <p:nvPicPr>
+          <p:cNvPr id="8" name="Picture 7">
             <a:extLst>
               <a:ext uri="{FF2B5EF4-FFF2-40B4-BE49-F238E27FC236}">
-                <a16:creationId xmlns:a16="http://schemas.microsoft.com/office/drawing/2014/main" id="{03DB8B80-4F02-6344-A8F2-C633429D94CE}"/>
-              </a:ext>
-            </a:extLst>
-          </p:cNvPr>
-          <p:cNvSpPr txBox="1"/>
-          <p:nvPr/>
-        </p:nvSpPr>
-        <p:spPr>
-          <a:xfrm>
-            <a:off x="29216976" y="15891147"/>
-            <a:ext cx="2867280" cy="3170099"/>
-          </a:xfrm>
-          <a:prstGeom prst="rect">
-            <a:avLst/>
-          </a:prstGeom>
-          <a:noFill/>
-        </p:spPr>
-        <p:txBody>
-          <a:bodyPr wrap="square" rtlCol="0">
-            <a:spAutoFit/>
-          </a:bodyPr>
-          <a:lstStyle>
-            <a:defPPr>
-              <a:defRPr kern="1200" smtId="4294967295"/>
-            </a:defPPr>
-          </a:lstStyle>
-          <a:p>
-            <a:r>
-              <a:rPr lang="en-US" sz="2000" b="1" dirty="0">
-                <a:solidFill>
-                  <a:schemeClr val="bg1"/>
-                </a:solidFill>
-                <a:cs typeface="Arial" pitchFamily="34" charset="0"/>
-              </a:rPr>
-              <a:t>Fig 4.</a:t>
-            </a:r>
-            <a:r>
-              <a:rPr lang="en-US" sz="2000" dirty="0">
-                <a:solidFill>
-                  <a:schemeClr val="bg1"/>
-                </a:solidFill>
-                <a:cs typeface="Arial" pitchFamily="34" charset="0"/>
-              </a:rPr>
-              <a:t> Parameter evolution over generations in GA optimization (A). Overfitting test results between training data and test data using average fitness across the entire population (B) and peak fitness (C).</a:t>
-            </a:r>
-          </a:p>
-        </p:txBody>
-      </p:sp>
-      <p:sp>
-        <p:nvSpPr>
-          <p:cNvPr id="90" name="TextBox 89">
-            <a:extLst>
-              <a:ext uri="{FF2B5EF4-FFF2-40B4-BE49-F238E27FC236}">
-                <a16:creationId xmlns:a16="http://schemas.microsoft.com/office/drawing/2014/main" id="{6484D52B-50C2-3946-9E76-8E67A66D9191}"/>
-              </a:ext>
-            </a:extLst>
-          </p:cNvPr>
-          <p:cNvSpPr txBox="1"/>
-          <p:nvPr/>
-        </p:nvSpPr>
-        <p:spPr>
-          <a:xfrm>
-            <a:off x="32133570" y="12216230"/>
-            <a:ext cx="6909786" cy="707886"/>
-          </a:xfrm>
-          <a:prstGeom prst="rect">
-            <a:avLst/>
-          </a:prstGeom>
-          <a:noFill/>
-        </p:spPr>
-        <p:txBody>
-          <a:bodyPr wrap="square" rtlCol="0">
-            <a:spAutoFit/>
-          </a:bodyPr>
-          <a:lstStyle>
-            <a:defPPr>
-              <a:defRPr kern="1200" smtId="4294967295"/>
-            </a:defPPr>
-          </a:lstStyle>
-          <a:p>
-            <a:r>
-              <a:rPr lang="en-US" sz="2000" b="1" dirty="0">
-                <a:solidFill>
-                  <a:schemeClr val="bg1"/>
-                </a:solidFill>
-                <a:cs typeface="Arial" pitchFamily="34" charset="0"/>
-              </a:rPr>
-              <a:t>Table 1.</a:t>
-            </a:r>
-            <a:r>
-              <a:rPr lang="en-US" sz="2000" dirty="0">
-                <a:solidFill>
-                  <a:schemeClr val="bg1"/>
-                </a:solidFill>
-                <a:cs typeface="Arial" pitchFamily="34" charset="0"/>
-              </a:rPr>
-              <a:t> Results of a series of one-way ANOVAs statistically testing the relationship between fitness and each parameter.</a:t>
-            </a:r>
-          </a:p>
-        </p:txBody>
-      </p:sp>
-      <p:sp>
-        <p:nvSpPr>
-          <p:cNvPr id="91" name="TextBox 90">
-            <a:extLst>
-              <a:ext uri="{FF2B5EF4-FFF2-40B4-BE49-F238E27FC236}">
-                <a16:creationId xmlns:a16="http://schemas.microsoft.com/office/drawing/2014/main" id="{51B42B5C-734B-074A-B989-5F6FF34BE4C7}"/>
-              </a:ext>
-            </a:extLst>
-          </p:cNvPr>
-          <p:cNvSpPr txBox="1"/>
-          <p:nvPr/>
-        </p:nvSpPr>
-        <p:spPr>
-          <a:xfrm>
-            <a:off x="39479098" y="17002107"/>
-            <a:ext cx="8929013" cy="1015663"/>
-          </a:xfrm>
-          <a:prstGeom prst="rect">
-            <a:avLst/>
-          </a:prstGeom>
-          <a:noFill/>
-        </p:spPr>
-        <p:txBody>
-          <a:bodyPr wrap="square" rtlCol="0">
-            <a:spAutoFit/>
-          </a:bodyPr>
-          <a:lstStyle>
-            <a:defPPr>
-              <a:defRPr kern="1200" smtId="4294967295"/>
-            </a:defPPr>
-          </a:lstStyle>
-          <a:p>
-            <a:r>
-              <a:rPr lang="en-US" sz="2000" b="1" dirty="0">
-                <a:solidFill>
-                  <a:schemeClr val="bg1"/>
-                </a:solidFill>
-                <a:cs typeface="Arial" pitchFamily="34" charset="0"/>
-              </a:rPr>
-              <a:t>Fig 6.</a:t>
-            </a:r>
-            <a:r>
-              <a:rPr lang="en-US" sz="2000" dirty="0">
-                <a:solidFill>
-                  <a:schemeClr val="bg1"/>
-                </a:solidFill>
-                <a:cs typeface="Arial" pitchFamily="34" charset="0"/>
-              </a:rPr>
-              <a:t> Parameter evolution over generations in GA optimization (A). Overfitting test results between training data and test data using average fitness across the entire population (B) and peak fitness (C).</a:t>
-            </a:r>
-          </a:p>
-        </p:txBody>
-      </p:sp>
-      <p:pic>
-        <p:nvPicPr>
-          <p:cNvPr id="53" name="Picture 52">
-            <a:extLst>
-              <a:ext uri="{FF2B5EF4-FFF2-40B4-BE49-F238E27FC236}">
-                <a16:creationId xmlns:a16="http://schemas.microsoft.com/office/drawing/2014/main" id="{1998B75A-A970-8E46-B88A-0B06F159F242}"/>
+                <a16:creationId xmlns:a16="http://schemas.microsoft.com/office/drawing/2014/main" id="{650CB227-7D3E-674D-98CF-CCB386D514AC}"/>
               </a:ext>
             </a:extLst>
           </p:cNvPr>
@@ -7383,7 +7633,7 @@
           </p:cNvPicPr>
           <p:nvPr/>
         </p:nvPicPr>
-        <p:blipFill>
+        <p:blipFill rotWithShape="1">
           <a:blip r:embed="rId9">
             <a:extLst>
               <a:ext uri="{28A0092B-C50C-407E-A947-70E740481C1C}">
@@ -7391,14 +7641,13 @@
               </a:ext>
             </a:extLst>
           </a:blip>
-          <a:stretch>
-            <a:fillRect/>
-          </a:stretch>
+          <a:srcRect l="6037" t="7647" r="4638" b="8354"/>
+          <a:stretch/>
         </p:blipFill>
         <p:spPr>
           <a:xfrm>
-            <a:off x="39389285" y="13829717"/>
-            <a:ext cx="8921515" cy="3177525"/>
+            <a:off x="20421600" y="7551334"/>
+            <a:ext cx="10695291" cy="8046078"/>
           </a:xfrm>
           <a:prstGeom prst="rect">
             <a:avLst/>
@@ -7407,10 +7656,10 @@
       </p:pic>
       <p:pic>
         <p:nvPicPr>
-          <p:cNvPr id="57" name="Picture 56">
+          <p:cNvPr id="11" name="Picture 10">
             <a:extLst>
               <a:ext uri="{FF2B5EF4-FFF2-40B4-BE49-F238E27FC236}">
-                <a16:creationId xmlns:a16="http://schemas.microsoft.com/office/drawing/2014/main" id="{AAF4DF50-878D-BB44-9D3C-6AAFD006213B}"/>
+                <a16:creationId xmlns:a16="http://schemas.microsoft.com/office/drawing/2014/main" id="{8216610C-7CA5-544A-AA10-8B9B17F21029}"/>
               </a:ext>
             </a:extLst>
           </p:cNvPr>
@@ -7427,519 +7676,25 @@
               </a:ext>
             </a:extLst>
           </a:blip>
-          <a:srcRect b="9512"/>
+          <a:srcRect l="6982" t="7603" b="9122"/>
           <a:stretch/>
         </p:blipFill>
         <p:spPr>
           <a:xfrm>
-            <a:off x="20558539" y="7514265"/>
-            <a:ext cx="11512613" cy="8333983"/>
+            <a:off x="20392136" y="20080458"/>
+            <a:ext cx="11044259" cy="7909892"/>
           </a:xfrm>
           <a:prstGeom prst="rect">
             <a:avLst/>
           </a:prstGeom>
         </p:spPr>
       </p:pic>
-      <p:sp>
-        <p:nvSpPr>
-          <p:cNvPr id="51" name="TextBox 50">
+      <p:pic>
+        <p:nvPicPr>
+          <p:cNvPr id="17" name="Picture 16">
             <a:extLst>
               <a:ext uri="{FF2B5EF4-FFF2-40B4-BE49-F238E27FC236}">
-                <a16:creationId xmlns:a16="http://schemas.microsoft.com/office/drawing/2014/main" id="{083F980C-F4FC-C245-B991-3FF26BF89BBD}"/>
-              </a:ext>
-            </a:extLst>
-          </p:cNvPr>
-          <p:cNvSpPr txBox="1"/>
-          <p:nvPr/>
-        </p:nvSpPr>
-        <p:spPr>
-          <a:xfrm>
-            <a:off x="20748337" y="7545471"/>
-            <a:ext cx="417102" cy="553998"/>
-          </a:xfrm>
-          <a:prstGeom prst="rect">
-            <a:avLst/>
-          </a:prstGeom>
-          <a:noFill/>
-        </p:spPr>
-        <p:txBody>
-          <a:bodyPr wrap="none" rtlCol="0">
-            <a:spAutoFit/>
-          </a:bodyPr>
-          <a:lstStyle/>
-          <a:p>
-            <a:r>
-              <a:rPr lang="en-US" sz="3000" b="1" dirty="0"/>
-              <a:t>A</a:t>
-            </a:r>
-          </a:p>
-        </p:txBody>
-      </p:sp>
-      <p:pic>
-        <p:nvPicPr>
-          <p:cNvPr id="66" name="Picture 65">
-            <a:extLst>
-              <a:ext uri="{FF2B5EF4-FFF2-40B4-BE49-F238E27FC236}">
-                <a16:creationId xmlns:a16="http://schemas.microsoft.com/office/drawing/2014/main" id="{C00D33C3-4E3F-3A42-90C4-AEC316E4DC33}"/>
-              </a:ext>
-            </a:extLst>
-          </p:cNvPr>
-          <p:cNvPicPr>
-            <a:picLocks noChangeAspect="1"/>
-          </p:cNvPicPr>
-          <p:nvPr/>
-        </p:nvPicPr>
-        <p:blipFill>
-          <a:blip r:embed="rId11">
-            <a:extLst>
-              <a:ext uri="{28A0092B-C50C-407E-A947-70E740481C1C}">
-                <a14:useLocalDpi xmlns:a14="http://schemas.microsoft.com/office/drawing/2010/main" val="0"/>
-              </a:ext>
-            </a:extLst>
-          </a:blip>
-          <a:stretch>
-            <a:fillRect/>
-          </a:stretch>
-        </p:blipFill>
-        <p:spPr>
-          <a:xfrm>
-            <a:off x="20547404" y="15842552"/>
-            <a:ext cx="4510642" cy="3007094"/>
-          </a:xfrm>
-          <a:prstGeom prst="rect">
-            <a:avLst/>
-          </a:prstGeom>
-        </p:spPr>
-      </p:pic>
-      <p:pic>
-        <p:nvPicPr>
-          <p:cNvPr id="71" name="Picture 70">
-            <a:extLst>
-              <a:ext uri="{FF2B5EF4-FFF2-40B4-BE49-F238E27FC236}">
-                <a16:creationId xmlns:a16="http://schemas.microsoft.com/office/drawing/2014/main" id="{71A23B91-0937-D043-A63B-C55A39F59BE5}"/>
-              </a:ext>
-            </a:extLst>
-          </p:cNvPr>
-          <p:cNvPicPr>
-            <a:picLocks noChangeAspect="1"/>
-          </p:cNvPicPr>
-          <p:nvPr/>
-        </p:nvPicPr>
-        <p:blipFill>
-          <a:blip r:embed="rId12">
-            <a:extLst>
-              <a:ext uri="{28A0092B-C50C-407E-A947-70E740481C1C}">
-                <a14:useLocalDpi xmlns:a14="http://schemas.microsoft.com/office/drawing/2010/main" val="0"/>
-              </a:ext>
-            </a:extLst>
-          </a:blip>
-          <a:stretch>
-            <a:fillRect/>
-          </a:stretch>
-        </p:blipFill>
-        <p:spPr>
-          <a:xfrm>
-            <a:off x="24634064" y="15842552"/>
-            <a:ext cx="4510642" cy="3007094"/>
-          </a:xfrm>
-          <a:prstGeom prst="rect">
-            <a:avLst/>
-          </a:prstGeom>
-        </p:spPr>
-      </p:pic>
-      <p:sp>
-        <p:nvSpPr>
-          <p:cNvPr id="87" name="TextBox 86">
-            <a:extLst>
-              <a:ext uri="{FF2B5EF4-FFF2-40B4-BE49-F238E27FC236}">
-                <a16:creationId xmlns:a16="http://schemas.microsoft.com/office/drawing/2014/main" id="{E79E783A-5985-7347-982E-87553A46AAAD}"/>
-              </a:ext>
-            </a:extLst>
-          </p:cNvPr>
-          <p:cNvSpPr txBox="1"/>
-          <p:nvPr/>
-        </p:nvSpPr>
-        <p:spPr>
-          <a:xfrm>
-            <a:off x="20732442" y="16200279"/>
-            <a:ext cx="401072" cy="553998"/>
-          </a:xfrm>
-          <a:prstGeom prst="rect">
-            <a:avLst/>
-          </a:prstGeom>
-          <a:noFill/>
-        </p:spPr>
-        <p:txBody>
-          <a:bodyPr wrap="none" rtlCol="0">
-            <a:spAutoFit/>
-          </a:bodyPr>
-          <a:lstStyle/>
-          <a:p>
-            <a:r>
-              <a:rPr lang="en-US" sz="3000" b="1" dirty="0"/>
-              <a:t>B</a:t>
-            </a:r>
-          </a:p>
-        </p:txBody>
-      </p:sp>
-      <p:sp>
-        <p:nvSpPr>
-          <p:cNvPr id="88" name="TextBox 87">
-            <a:extLst>
-              <a:ext uri="{FF2B5EF4-FFF2-40B4-BE49-F238E27FC236}">
-                <a16:creationId xmlns:a16="http://schemas.microsoft.com/office/drawing/2014/main" id="{CF240729-8BE3-614C-AAF5-DF16992BDC2E}"/>
-              </a:ext>
-            </a:extLst>
-          </p:cNvPr>
-          <p:cNvSpPr txBox="1"/>
-          <p:nvPr/>
-        </p:nvSpPr>
-        <p:spPr>
-          <a:xfrm>
-            <a:off x="24238829" y="16200279"/>
-            <a:ext cx="388248" cy="553998"/>
-          </a:xfrm>
-          <a:prstGeom prst="rect">
-            <a:avLst/>
-          </a:prstGeom>
-          <a:noFill/>
-        </p:spPr>
-        <p:txBody>
-          <a:bodyPr wrap="none" rtlCol="0">
-            <a:spAutoFit/>
-          </a:bodyPr>
-          <a:lstStyle/>
-          <a:p>
-            <a:r>
-              <a:rPr lang="en-US" sz="3000" b="1" dirty="0"/>
-              <a:t>C</a:t>
-            </a:r>
-          </a:p>
-        </p:txBody>
-      </p:sp>
-      <p:pic>
-        <p:nvPicPr>
-          <p:cNvPr id="104" name="Picture 103">
-            <a:extLst>
-              <a:ext uri="{FF2B5EF4-FFF2-40B4-BE49-F238E27FC236}">
-                <a16:creationId xmlns:a16="http://schemas.microsoft.com/office/drawing/2014/main" id="{46960E54-DF20-4A48-89B3-25E0BD61E4C7}"/>
-              </a:ext>
-            </a:extLst>
-          </p:cNvPr>
-          <p:cNvPicPr>
-            <a:picLocks noChangeAspect="1"/>
-          </p:cNvPicPr>
-          <p:nvPr/>
-        </p:nvPicPr>
-        <p:blipFill>
-          <a:blip r:embed="rId6">
-            <a:extLst>
-              <a:ext uri="{28A0092B-C50C-407E-A947-70E740481C1C}">
-                <a14:useLocalDpi xmlns:a14="http://schemas.microsoft.com/office/drawing/2010/main" val="0"/>
-              </a:ext>
-            </a:extLst>
-          </a:blip>
-          <a:stretch>
-            <a:fillRect/>
-          </a:stretch>
-        </p:blipFill>
-        <p:spPr>
-          <a:xfrm>
-            <a:off x="32138207" y="20092249"/>
-            <a:ext cx="6604107" cy="4652894"/>
-          </a:xfrm>
-          <a:prstGeom prst="rect">
-            <a:avLst/>
-          </a:prstGeom>
-        </p:spPr>
-      </p:pic>
-      <p:sp>
-        <p:nvSpPr>
-          <p:cNvPr id="105" name="TextBox 104">
-            <a:extLst>
-              <a:ext uri="{FF2B5EF4-FFF2-40B4-BE49-F238E27FC236}">
-                <a16:creationId xmlns:a16="http://schemas.microsoft.com/office/drawing/2014/main" id="{2509E33E-A8DE-2847-B7C6-A93473B718E6}"/>
-              </a:ext>
-            </a:extLst>
-          </p:cNvPr>
-          <p:cNvSpPr txBox="1"/>
-          <p:nvPr/>
-        </p:nvSpPr>
-        <p:spPr>
-          <a:xfrm>
-            <a:off x="32166284" y="25637088"/>
-            <a:ext cx="6760849" cy="4708981"/>
-          </a:xfrm>
-          <a:prstGeom prst="rect">
-            <a:avLst/>
-          </a:prstGeom>
-          <a:noFill/>
-          <a:ln>
-            <a:solidFill>
-              <a:srgbClr val="8000FF"/>
-            </a:solidFill>
-          </a:ln>
-        </p:spPr>
-        <p:txBody>
-          <a:bodyPr wrap="square" rtlCol="0">
-            <a:spAutoFit/>
-          </a:bodyPr>
-          <a:lstStyle>
-            <a:defPPr>
-              <a:defRPr kern="1200" smtId="4294967295"/>
-            </a:defPPr>
-          </a:lstStyle>
-          <a:p>
-            <a:r>
-              <a:rPr lang="en-US" sz="2500" b="1" dirty="0">
-                <a:solidFill>
-                  <a:schemeClr val="bg1"/>
-                </a:solidFill>
-                <a:cs typeface="Arial" pitchFamily="34" charset="0"/>
-              </a:rPr>
-              <a:t>Main Results:   </a:t>
-            </a:r>
-          </a:p>
-          <a:p>
-            <a:pPr marL="342900" indent="-342900">
-              <a:buFont typeface="Arial" panose="020B0604020202020204" pitchFamily="34" charset="0"/>
-              <a:buChar char="•"/>
-            </a:pPr>
-            <a:r>
-              <a:rPr lang="en-US" sz="2500" dirty="0">
-                <a:solidFill>
-                  <a:schemeClr val="bg1"/>
-                </a:solidFill>
-                <a:cs typeface="Arial" pitchFamily="34" charset="0"/>
-              </a:rPr>
-              <a:t>Stabilized after ~5 generations  </a:t>
-            </a:r>
-          </a:p>
-          <a:p>
-            <a:pPr marL="342900" indent="-342900">
-              <a:buFont typeface="Arial" panose="020B0604020202020204" pitchFamily="34" charset="0"/>
-              <a:buChar char="•"/>
-            </a:pPr>
-            <a:r>
-              <a:rPr lang="en-US" sz="2500" dirty="0">
-                <a:solidFill>
-                  <a:schemeClr val="bg1"/>
-                </a:solidFill>
-                <a:cs typeface="Arial" pitchFamily="34" charset="0"/>
-              </a:rPr>
-              <a:t>Average fitness stabilized at ~22%  </a:t>
-            </a:r>
-          </a:p>
-          <a:p>
-            <a:pPr marL="342900" indent="-342900">
-              <a:buFont typeface="Arial" panose="020B0604020202020204" pitchFamily="34" charset="0"/>
-              <a:buChar char="•"/>
-            </a:pPr>
-            <a:r>
-              <a:rPr lang="en-US" sz="2500" dirty="0">
-                <a:solidFill>
-                  <a:schemeClr val="bg1"/>
-                </a:solidFill>
-                <a:cs typeface="Arial" pitchFamily="34" charset="0"/>
-              </a:rPr>
-              <a:t>Peak fitness = 24.81% of kinases recovered  </a:t>
-            </a:r>
-          </a:p>
-          <a:p>
-            <a:pPr marL="342900" indent="-342900">
-              <a:buFont typeface="Arial" panose="020B0604020202020204" pitchFamily="34" charset="0"/>
-              <a:buChar char="•"/>
-            </a:pPr>
-            <a:r>
-              <a:rPr lang="en-US" sz="2500" dirty="0">
-                <a:solidFill>
-                  <a:schemeClr val="bg1"/>
-                </a:solidFill>
-                <a:cs typeface="Arial" pitchFamily="34" charset="0"/>
-              </a:rPr>
-              <a:t>Average PPI size = 477 proteins  </a:t>
-            </a:r>
-          </a:p>
-          <a:p>
-            <a:pPr marL="342900" indent="-342900">
-              <a:buFont typeface="Arial" panose="020B0604020202020204" pitchFamily="34" charset="0"/>
-              <a:buChar char="•"/>
-            </a:pPr>
-            <a:r>
-              <a:rPr lang="en-US" sz="2500" dirty="0">
-                <a:solidFill>
-                  <a:schemeClr val="bg1"/>
-                </a:solidFill>
-                <a:cs typeface="Arial" pitchFamily="34" charset="0"/>
-              </a:rPr>
-              <a:t>All parameters except </a:t>
-            </a:r>
-            <a:r>
-              <a:rPr lang="en-US" sz="2500" dirty="0" err="1">
-                <a:solidFill>
-                  <a:schemeClr val="bg1"/>
-                </a:solidFill>
-                <a:cs typeface="Arial" pitchFamily="34" charset="0"/>
-              </a:rPr>
-              <a:t>Kinase_interactome</a:t>
-            </a:r>
-            <a:r>
-              <a:rPr lang="en-US" sz="2500" dirty="0">
-                <a:solidFill>
-                  <a:schemeClr val="bg1"/>
-                </a:solidFill>
-                <a:cs typeface="Arial" pitchFamily="34" charset="0"/>
-              </a:rPr>
-              <a:t> and </a:t>
-            </a:r>
-            <a:r>
-              <a:rPr lang="en-US" sz="2500" dirty="0" err="1">
-                <a:solidFill>
-                  <a:schemeClr val="bg1"/>
-                </a:solidFill>
-                <a:cs typeface="Arial" pitchFamily="34" charset="0"/>
-              </a:rPr>
-              <a:t>TF_background</a:t>
-            </a:r>
-            <a:r>
-              <a:rPr lang="en-US" sz="2500" dirty="0">
-                <a:solidFill>
-                  <a:schemeClr val="bg1"/>
-                </a:solidFill>
-                <a:cs typeface="Arial" pitchFamily="34" charset="0"/>
-              </a:rPr>
-              <a:t> had a significant impact on fitness. </a:t>
-            </a:r>
-          </a:p>
-          <a:p>
-            <a:pPr marL="342900" indent="-342900">
-              <a:buFont typeface="Arial" panose="020B0604020202020204" pitchFamily="34" charset="0"/>
-              <a:buChar char="•"/>
-            </a:pPr>
-            <a:r>
-              <a:rPr lang="en-US" sz="2500" dirty="0">
-                <a:solidFill>
-                  <a:schemeClr val="bg1"/>
-                </a:solidFill>
-                <a:cs typeface="Arial" pitchFamily="34" charset="0"/>
-              </a:rPr>
-              <a:t>While there were similar patterns of increasing fitness over generations, the Training and Test data did differ significantly on this run (p&lt;0.001). </a:t>
-            </a:r>
-          </a:p>
-        </p:txBody>
-      </p:sp>
-      <p:sp>
-        <p:nvSpPr>
-          <p:cNvPr id="106" name="TextBox 105">
-            <a:extLst>
-              <a:ext uri="{FF2B5EF4-FFF2-40B4-BE49-F238E27FC236}">
-                <a16:creationId xmlns:a16="http://schemas.microsoft.com/office/drawing/2014/main" id="{9FB9D60B-269E-B649-8746-AF3B5FD20B96}"/>
-              </a:ext>
-            </a:extLst>
-          </p:cNvPr>
-          <p:cNvSpPr txBox="1"/>
-          <p:nvPr/>
-        </p:nvSpPr>
-        <p:spPr>
-          <a:xfrm>
-            <a:off x="29249690" y="28444290"/>
-            <a:ext cx="2867280" cy="3170099"/>
-          </a:xfrm>
-          <a:prstGeom prst="rect">
-            <a:avLst/>
-          </a:prstGeom>
-          <a:noFill/>
-        </p:spPr>
-        <p:txBody>
-          <a:bodyPr wrap="square" rtlCol="0">
-            <a:spAutoFit/>
-          </a:bodyPr>
-          <a:lstStyle>
-            <a:defPPr>
-              <a:defRPr kern="1200" smtId="4294967295"/>
-            </a:defPPr>
-          </a:lstStyle>
-          <a:p>
-            <a:r>
-              <a:rPr lang="en-US" sz="2000" b="1" dirty="0">
-                <a:solidFill>
-                  <a:schemeClr val="bg1"/>
-                </a:solidFill>
-                <a:cs typeface="Arial" pitchFamily="34" charset="0"/>
-              </a:rPr>
-              <a:t>Fig 5.</a:t>
-            </a:r>
-            <a:r>
-              <a:rPr lang="en-US" sz="2000" dirty="0">
-                <a:solidFill>
-                  <a:schemeClr val="bg1"/>
-                </a:solidFill>
-                <a:cs typeface="Arial" pitchFamily="34" charset="0"/>
-              </a:rPr>
-              <a:t> Parameter evolution over generations in GA optimization (A). Overfitting test results between training data and test data using average fitness across the entire population (B) and peak fitness (C).</a:t>
-            </a:r>
-          </a:p>
-        </p:txBody>
-      </p:sp>
-      <p:sp>
-        <p:nvSpPr>
-          <p:cNvPr id="107" name="TextBox 106">
-            <a:extLst>
-              <a:ext uri="{FF2B5EF4-FFF2-40B4-BE49-F238E27FC236}">
-                <a16:creationId xmlns:a16="http://schemas.microsoft.com/office/drawing/2014/main" id="{EB707057-9C61-104A-9DF1-0E71951B4B6A}"/>
-              </a:ext>
-            </a:extLst>
-          </p:cNvPr>
-          <p:cNvSpPr txBox="1"/>
-          <p:nvPr/>
-        </p:nvSpPr>
-        <p:spPr>
-          <a:xfrm>
-            <a:off x="32166284" y="24769373"/>
-            <a:ext cx="6909786" cy="707886"/>
-          </a:xfrm>
-          <a:prstGeom prst="rect">
-            <a:avLst/>
-          </a:prstGeom>
-          <a:noFill/>
-        </p:spPr>
-        <p:txBody>
-          <a:bodyPr wrap="square" rtlCol="0">
-            <a:spAutoFit/>
-          </a:bodyPr>
-          <a:lstStyle>
-            <a:defPPr>
-              <a:defRPr kern="1200" smtId="4294967295"/>
-            </a:defPPr>
-          </a:lstStyle>
-          <a:p>
-            <a:r>
-              <a:rPr lang="en-US" sz="2000" b="1" dirty="0">
-                <a:solidFill>
-                  <a:schemeClr val="bg1"/>
-                </a:solidFill>
-                <a:cs typeface="Arial" pitchFamily="34" charset="0"/>
-              </a:rPr>
-              <a:t>Table 2.</a:t>
-            </a:r>
-            <a:r>
-              <a:rPr lang="en-US" sz="2000" dirty="0">
-                <a:solidFill>
-                  <a:schemeClr val="bg1"/>
-                </a:solidFill>
-                <a:cs typeface="Arial" pitchFamily="34" charset="0"/>
-              </a:rPr>
-              <a:t> Results of a series of one-way ANOVAs statistically testing the relationship between fitness and each parameter.</a:t>
-            </a:r>
-          </a:p>
-        </p:txBody>
-      </p:sp>
-      <p:pic>
-        <p:nvPicPr>
-          <p:cNvPr id="108" name="Picture 107">
-            <a:extLst>
-              <a:ext uri="{FF2B5EF4-FFF2-40B4-BE49-F238E27FC236}">
-                <a16:creationId xmlns:a16="http://schemas.microsoft.com/office/drawing/2014/main" id="{A19B0DD6-14CD-9646-A985-4ED7EFA6990B}"/>
+                <a16:creationId xmlns:a16="http://schemas.microsoft.com/office/drawing/2014/main" id="{1B757EA5-7DD8-394C-B73C-25296D6014D3}"/>
               </a:ext>
             </a:extLst>
           </p:cNvPr>
@@ -7949,20 +7704,20 @@
           <p:nvPr/>
         </p:nvPicPr>
         <p:blipFill rotWithShape="1">
-          <a:blip r:embed="rId10">
+          <a:blip r:embed="rId11">
             <a:extLst>
               <a:ext uri="{28A0092B-C50C-407E-A947-70E740481C1C}">
                 <a14:useLocalDpi xmlns:a14="http://schemas.microsoft.com/office/drawing/2010/main" val="0"/>
               </a:ext>
             </a:extLst>
           </a:blip>
-          <a:srcRect b="9512"/>
+          <a:srcRect r="6484"/>
           <a:stretch/>
         </p:blipFill>
         <p:spPr>
           <a:xfrm>
-            <a:off x="20591253" y="20067408"/>
-            <a:ext cx="11512613" cy="8333983"/>
+            <a:off x="25747282" y="27972370"/>
+            <a:ext cx="5227768" cy="3726830"/>
           </a:xfrm>
           <a:prstGeom prst="rect">
             <a:avLst/>
@@ -7971,10 +7726,86 @@
       </p:pic>
       <p:pic>
         <p:nvPicPr>
-          <p:cNvPr id="59" name="Picture 58">
+          <p:cNvPr id="72" name="Picture 71">
             <a:extLst>
               <a:ext uri="{FF2B5EF4-FFF2-40B4-BE49-F238E27FC236}">
-                <a16:creationId xmlns:a16="http://schemas.microsoft.com/office/drawing/2014/main" id="{3222FA98-8E60-8A4F-BB41-60800A64A924}"/>
+                <a16:creationId xmlns:a16="http://schemas.microsoft.com/office/drawing/2014/main" id="{EF4BFECD-B04C-734F-AF99-0839960232AA}"/>
+              </a:ext>
+            </a:extLst>
+          </p:cNvPr>
+          <p:cNvPicPr>
+            <a:picLocks noChangeAspect="1"/>
+          </p:cNvPicPr>
+          <p:nvPr/>
+        </p:nvPicPr>
+        <p:blipFill rotWithShape="1">
+          <a:blip r:embed="rId12">
+            <a:extLst>
+              <a:ext uri="{28A0092B-C50C-407E-A947-70E740481C1C}">
+                <a14:useLocalDpi xmlns:a14="http://schemas.microsoft.com/office/drawing/2010/main" val="0"/>
+              </a:ext>
+            </a:extLst>
+          </a:blip>
+          <a:srcRect r="6816"/>
+          <a:stretch/>
+        </p:blipFill>
+        <p:spPr>
+          <a:xfrm>
+            <a:off x="20601304" y="27972370"/>
+            <a:ext cx="5209246" cy="3726830"/>
+          </a:xfrm>
+          <a:prstGeom prst="rect">
+            <a:avLst/>
+          </a:prstGeom>
+        </p:spPr>
+      </p:pic>
+      <p:sp>
+        <p:nvSpPr>
+          <p:cNvPr id="20" name="TextBox 19">
+            <a:extLst>
+              <a:ext uri="{FF2B5EF4-FFF2-40B4-BE49-F238E27FC236}">
+                <a16:creationId xmlns:a16="http://schemas.microsoft.com/office/drawing/2014/main" id="{0D482F81-F288-7743-962B-A58453978F71}"/>
+              </a:ext>
+            </a:extLst>
+          </p:cNvPr>
+          <p:cNvSpPr txBox="1"/>
+          <p:nvPr/>
+        </p:nvSpPr>
+        <p:spPr>
+          <a:xfrm>
+            <a:off x="12071665" y="23917796"/>
+            <a:ext cx="4386720" cy="4324261"/>
+          </a:xfrm>
+          <a:prstGeom prst="rect">
+            <a:avLst/>
+          </a:prstGeom>
+          <a:noFill/>
+        </p:spPr>
+        <p:txBody>
+          <a:bodyPr wrap="square" rtlCol="0">
+            <a:spAutoFit/>
+          </a:bodyPr>
+          <a:lstStyle/>
+          <a:p>
+            <a:r>
+              <a:rPr lang="en-US" sz="2500" dirty="0">
+                <a:solidFill>
+                  <a:schemeClr val="bg1"/>
+                </a:solidFill>
+                <a:cs typeface="Arial" pitchFamily="34" charset="0"/>
+              </a:rPr>
+              <a:t>Fitness scores of each parameter combination are defined as the % of experiments in which the known perturbed kinase was recovered. For the LINCS L1000 data, each experiment’s score was divided by the number of kinase targets a given drug was associated with to avoid inflating fitness due to multiple targets</a:t>
+            </a:r>
+            <a:endParaRPr lang="en-US" sz="2500" dirty="0"/>
+          </a:p>
+        </p:txBody>
+      </p:sp>
+      <p:pic>
+        <p:nvPicPr>
+          <p:cNvPr id="22" name="Picture 21">
+            <a:extLst>
+              <a:ext uri="{FF2B5EF4-FFF2-40B4-BE49-F238E27FC236}">
+                <a16:creationId xmlns:a16="http://schemas.microsoft.com/office/drawing/2014/main" id="{63721ACC-EBC2-0F48-9188-729B8DE24FF9}"/>
               </a:ext>
             </a:extLst>
           </p:cNvPr>
@@ -7997,14 +7828,472 @@
         </p:blipFill>
         <p:spPr>
           <a:xfrm>
-            <a:off x="1139571" y="23479482"/>
-            <a:ext cx="10753014" cy="6016156"/>
+            <a:off x="31537140" y="20115644"/>
+            <a:ext cx="6943860" cy="5591455"/>
           </a:xfrm>
           <a:prstGeom prst="rect">
             <a:avLst/>
           </a:prstGeom>
         </p:spPr>
       </p:pic>
+      <p:pic>
+        <p:nvPicPr>
+          <p:cNvPr id="25" name="Picture 24">
+            <a:extLst>
+              <a:ext uri="{FF2B5EF4-FFF2-40B4-BE49-F238E27FC236}">
+                <a16:creationId xmlns:a16="http://schemas.microsoft.com/office/drawing/2014/main" id="{1AA7AE3F-D316-A94C-90B9-C227BED2EDEF}"/>
+              </a:ext>
+            </a:extLst>
+          </p:cNvPr>
+          <p:cNvPicPr>
+            <a:picLocks noChangeAspect="1"/>
+          </p:cNvPicPr>
+          <p:nvPr/>
+        </p:nvPicPr>
+        <p:blipFill>
+          <a:blip r:embed="rId14">
+            <a:extLst>
+              <a:ext uri="{28A0092B-C50C-407E-A947-70E740481C1C}">
+                <a14:useLocalDpi xmlns:a14="http://schemas.microsoft.com/office/drawing/2010/main" val="0"/>
+              </a:ext>
+            </a:extLst>
+          </a:blip>
+          <a:stretch>
+            <a:fillRect/>
+          </a:stretch>
+        </p:blipFill>
+        <p:spPr>
+          <a:xfrm>
+            <a:off x="31203900" y="7515894"/>
+            <a:ext cx="7658100" cy="4902200"/>
+          </a:xfrm>
+          <a:prstGeom prst="rect">
+            <a:avLst/>
+          </a:prstGeom>
+        </p:spPr>
+      </p:pic>
+      <p:pic>
+        <p:nvPicPr>
+          <p:cNvPr id="49" name="Picture 48">
+            <a:extLst>
+              <a:ext uri="{FF2B5EF4-FFF2-40B4-BE49-F238E27FC236}">
+                <a16:creationId xmlns:a16="http://schemas.microsoft.com/office/drawing/2014/main" id="{5EDE65D8-9451-8D48-A817-7DC8089B8EF2}"/>
+              </a:ext>
+            </a:extLst>
+          </p:cNvPr>
+          <p:cNvPicPr>
+            <a:picLocks noChangeAspect="1"/>
+          </p:cNvPicPr>
+          <p:nvPr/>
+        </p:nvPicPr>
+        <p:blipFill>
+          <a:blip r:embed="rId15">
+            <a:extLst>
+              <a:ext uri="{28A0092B-C50C-407E-A947-70E740481C1C}">
+                <a14:useLocalDpi xmlns:a14="http://schemas.microsoft.com/office/drawing/2010/main" val="0"/>
+              </a:ext>
+            </a:extLst>
+          </a:blip>
+          <a:stretch>
+            <a:fillRect/>
+          </a:stretch>
+        </p:blipFill>
+        <p:spPr>
+          <a:xfrm>
+            <a:off x="25603200" y="15546453"/>
+            <a:ext cx="5151213" cy="3434142"/>
+          </a:xfrm>
+          <a:prstGeom prst="rect">
+            <a:avLst/>
+          </a:prstGeom>
+        </p:spPr>
+      </p:pic>
+      <p:pic>
+        <p:nvPicPr>
+          <p:cNvPr id="52" name="Picture 51">
+            <a:extLst>
+              <a:ext uri="{FF2B5EF4-FFF2-40B4-BE49-F238E27FC236}">
+                <a16:creationId xmlns:a16="http://schemas.microsoft.com/office/drawing/2014/main" id="{39E5D25F-78D3-C44A-BBC8-A8C8C0B6AF66}"/>
+              </a:ext>
+            </a:extLst>
+          </p:cNvPr>
+          <p:cNvPicPr>
+            <a:picLocks noChangeAspect="1"/>
+          </p:cNvPicPr>
+          <p:nvPr/>
+        </p:nvPicPr>
+        <p:blipFill>
+          <a:blip r:embed="rId16">
+            <a:extLst>
+              <a:ext uri="{28A0092B-C50C-407E-A947-70E740481C1C}">
+                <a14:useLocalDpi xmlns:a14="http://schemas.microsoft.com/office/drawing/2010/main" val="0"/>
+              </a:ext>
+            </a:extLst>
+          </a:blip>
+          <a:stretch>
+            <a:fillRect/>
+          </a:stretch>
+        </p:blipFill>
+        <p:spPr>
+          <a:xfrm>
+            <a:off x="20451987" y="15546453"/>
+            <a:ext cx="5151213" cy="3434142"/>
+          </a:xfrm>
+          <a:prstGeom prst="rect">
+            <a:avLst/>
+          </a:prstGeom>
+        </p:spPr>
+      </p:pic>
+      <p:sp>
+        <p:nvSpPr>
+          <p:cNvPr id="87" name="TextBox 86">
+            <a:extLst>
+              <a:ext uri="{FF2B5EF4-FFF2-40B4-BE49-F238E27FC236}">
+                <a16:creationId xmlns:a16="http://schemas.microsoft.com/office/drawing/2014/main" id="{E79E783A-5985-7347-982E-87553A46AAAD}"/>
+              </a:ext>
+            </a:extLst>
+          </p:cNvPr>
+          <p:cNvSpPr txBox="1"/>
+          <p:nvPr/>
+        </p:nvSpPr>
+        <p:spPr>
+          <a:xfrm>
+            <a:off x="20447700" y="15708437"/>
+            <a:ext cx="401072" cy="553998"/>
+          </a:xfrm>
+          <a:prstGeom prst="rect">
+            <a:avLst/>
+          </a:prstGeom>
+          <a:noFill/>
+        </p:spPr>
+        <p:txBody>
+          <a:bodyPr wrap="none" rtlCol="0">
+            <a:spAutoFit/>
+          </a:bodyPr>
+          <a:lstStyle/>
+          <a:p>
+            <a:r>
+              <a:rPr lang="en-US" sz="3000" b="1" dirty="0"/>
+              <a:t>B</a:t>
+            </a:r>
+          </a:p>
+        </p:txBody>
+      </p:sp>
+      <p:sp>
+        <p:nvSpPr>
+          <p:cNvPr id="88" name="TextBox 87">
+            <a:extLst>
+              <a:ext uri="{FF2B5EF4-FFF2-40B4-BE49-F238E27FC236}">
+                <a16:creationId xmlns:a16="http://schemas.microsoft.com/office/drawing/2014/main" id="{CF240729-8BE3-614C-AAF5-DF16992BDC2E}"/>
+              </a:ext>
+            </a:extLst>
+          </p:cNvPr>
+          <p:cNvSpPr txBox="1"/>
+          <p:nvPr/>
+        </p:nvSpPr>
+        <p:spPr>
+          <a:xfrm>
+            <a:off x="25240167" y="15708437"/>
+            <a:ext cx="388248" cy="553998"/>
+          </a:xfrm>
+          <a:prstGeom prst="rect">
+            <a:avLst/>
+          </a:prstGeom>
+          <a:noFill/>
+        </p:spPr>
+        <p:txBody>
+          <a:bodyPr wrap="none" rtlCol="0">
+            <a:spAutoFit/>
+          </a:bodyPr>
+          <a:lstStyle/>
+          <a:p>
+            <a:r>
+              <a:rPr lang="en-US" sz="3000" b="1" dirty="0"/>
+              <a:t>C</a:t>
+            </a:r>
+          </a:p>
+        </p:txBody>
+      </p:sp>
+      <p:sp>
+        <p:nvSpPr>
+          <p:cNvPr id="51" name="TextBox 50">
+            <a:extLst>
+              <a:ext uri="{FF2B5EF4-FFF2-40B4-BE49-F238E27FC236}">
+                <a16:creationId xmlns:a16="http://schemas.microsoft.com/office/drawing/2014/main" id="{083F980C-F4FC-C245-B991-3FF26BF89BBD}"/>
+              </a:ext>
+            </a:extLst>
+          </p:cNvPr>
+          <p:cNvSpPr txBox="1"/>
+          <p:nvPr/>
+        </p:nvSpPr>
+        <p:spPr>
+          <a:xfrm>
+            <a:off x="20552702" y="7609472"/>
+            <a:ext cx="417102" cy="553998"/>
+          </a:xfrm>
+          <a:prstGeom prst="rect">
+            <a:avLst/>
+          </a:prstGeom>
+          <a:noFill/>
+        </p:spPr>
+        <p:txBody>
+          <a:bodyPr wrap="none" rtlCol="0">
+            <a:spAutoFit/>
+          </a:bodyPr>
+          <a:lstStyle/>
+          <a:p>
+            <a:r>
+              <a:rPr lang="en-US" sz="3000" b="1" dirty="0"/>
+              <a:t>A</a:t>
+            </a:r>
+          </a:p>
+        </p:txBody>
+      </p:sp>
+      <p:pic>
+        <p:nvPicPr>
+          <p:cNvPr id="65" name="Picture 64">
+            <a:extLst>
+              <a:ext uri="{FF2B5EF4-FFF2-40B4-BE49-F238E27FC236}">
+                <a16:creationId xmlns:a16="http://schemas.microsoft.com/office/drawing/2014/main" id="{85C4E5D4-92EC-2546-833C-E16AD287B428}"/>
+              </a:ext>
+            </a:extLst>
+          </p:cNvPr>
+          <p:cNvPicPr>
+            <a:picLocks noChangeAspect="1"/>
+          </p:cNvPicPr>
+          <p:nvPr/>
+        </p:nvPicPr>
+        <p:blipFill>
+          <a:blip r:embed="rId17">
+            <a:extLst>
+              <a:ext uri="{28A0092B-C50C-407E-A947-70E740481C1C}">
+                <a14:useLocalDpi xmlns:a14="http://schemas.microsoft.com/office/drawing/2010/main" val="0"/>
+              </a:ext>
+            </a:extLst>
+          </a:blip>
+          <a:stretch>
+            <a:fillRect/>
+          </a:stretch>
+        </p:blipFill>
+        <p:spPr>
+          <a:xfrm>
+            <a:off x="39439915" y="14690387"/>
+            <a:ext cx="8870885" cy="3159493"/>
+          </a:xfrm>
+          <a:prstGeom prst="rect">
+            <a:avLst/>
+          </a:prstGeom>
+        </p:spPr>
+      </p:pic>
+      <p:sp>
+        <p:nvSpPr>
+          <p:cNvPr id="93" name="TextBox 92">
+            <a:extLst>
+              <a:ext uri="{FF2B5EF4-FFF2-40B4-BE49-F238E27FC236}">
+                <a16:creationId xmlns:a16="http://schemas.microsoft.com/office/drawing/2014/main" id="{BBCF9218-6FD3-2747-AEAE-B5DE6DC0CBDA}"/>
+              </a:ext>
+            </a:extLst>
+          </p:cNvPr>
+          <p:cNvSpPr txBox="1"/>
+          <p:nvPr/>
+        </p:nvSpPr>
+        <p:spPr>
+          <a:xfrm>
+            <a:off x="25672152" y="28078477"/>
+            <a:ext cx="388248" cy="553998"/>
+          </a:xfrm>
+          <a:prstGeom prst="rect">
+            <a:avLst/>
+          </a:prstGeom>
+          <a:noFill/>
+        </p:spPr>
+        <p:txBody>
+          <a:bodyPr wrap="none" rtlCol="0">
+            <a:spAutoFit/>
+          </a:bodyPr>
+          <a:lstStyle/>
+          <a:p>
+            <a:r>
+              <a:rPr lang="en-US" sz="3000" b="1" dirty="0"/>
+              <a:t>C</a:t>
+            </a:r>
+          </a:p>
+        </p:txBody>
+      </p:sp>
+      <p:sp>
+        <p:nvSpPr>
+          <p:cNvPr id="94" name="TextBox 93">
+            <a:extLst>
+              <a:ext uri="{FF2B5EF4-FFF2-40B4-BE49-F238E27FC236}">
+                <a16:creationId xmlns:a16="http://schemas.microsoft.com/office/drawing/2014/main" id="{EACE12BC-650D-A44A-A13C-2D03EE12755A}"/>
+              </a:ext>
+            </a:extLst>
+          </p:cNvPr>
+          <p:cNvSpPr txBox="1"/>
+          <p:nvPr/>
+        </p:nvSpPr>
+        <p:spPr>
+          <a:xfrm>
+            <a:off x="20564655" y="20118223"/>
+            <a:ext cx="417102" cy="553998"/>
+          </a:xfrm>
+          <a:prstGeom prst="rect">
+            <a:avLst/>
+          </a:prstGeom>
+          <a:noFill/>
+        </p:spPr>
+        <p:txBody>
+          <a:bodyPr wrap="none" rtlCol="0">
+            <a:spAutoFit/>
+          </a:bodyPr>
+          <a:lstStyle/>
+          <a:p>
+            <a:r>
+              <a:rPr lang="en-US" sz="3000" b="1" dirty="0"/>
+              <a:t>A</a:t>
+            </a:r>
+          </a:p>
+        </p:txBody>
+      </p:sp>
+      <p:sp>
+        <p:nvSpPr>
+          <p:cNvPr id="69" name="Rectangle 68">
+            <a:extLst>
+              <a:ext uri="{FF2B5EF4-FFF2-40B4-BE49-F238E27FC236}">
+                <a16:creationId xmlns:a16="http://schemas.microsoft.com/office/drawing/2014/main" id="{ABA69634-96F0-2549-A1F5-30AFC1841E0A}"/>
+              </a:ext>
+            </a:extLst>
+          </p:cNvPr>
+          <p:cNvSpPr/>
+          <p:nvPr/>
+        </p:nvSpPr>
+        <p:spPr>
+          <a:xfrm>
+            <a:off x="20401290" y="27968082"/>
+            <a:ext cx="419746" cy="3421811"/>
+          </a:xfrm>
+          <a:prstGeom prst="rect">
+            <a:avLst/>
+          </a:prstGeom>
+          <a:solidFill>
+            <a:schemeClr val="bg1"/>
+          </a:solidFill>
+          <a:ln>
+            <a:noFill/>
+          </a:ln>
+        </p:spPr>
+        <p:style>
+          <a:lnRef idx="2">
+            <a:schemeClr val="accent1">
+              <a:shade val="50000"/>
+            </a:schemeClr>
+          </a:lnRef>
+          <a:fillRef idx="1">
+            <a:schemeClr val="accent1"/>
+          </a:fillRef>
+          <a:effectRef idx="0">
+            <a:schemeClr val="accent1"/>
+          </a:effectRef>
+          <a:fontRef idx="minor">
+            <a:schemeClr val="lt1"/>
+          </a:fontRef>
+        </p:style>
+        <p:txBody>
+          <a:bodyPr rtlCol="0" anchor="ctr"/>
+          <a:lstStyle/>
+          <a:p>
+            <a:pPr algn="ctr"/>
+            <a:endParaRPr lang="en-US"/>
+          </a:p>
+        </p:txBody>
+      </p:sp>
+      <p:sp>
+        <p:nvSpPr>
+          <p:cNvPr id="89" name="TextBox 88">
+            <a:extLst>
+              <a:ext uri="{FF2B5EF4-FFF2-40B4-BE49-F238E27FC236}">
+                <a16:creationId xmlns:a16="http://schemas.microsoft.com/office/drawing/2014/main" id="{34011DA9-8E9D-3747-9B97-7161F5A2BCCD}"/>
+              </a:ext>
+            </a:extLst>
+          </p:cNvPr>
+          <p:cNvSpPr txBox="1"/>
+          <p:nvPr/>
+        </p:nvSpPr>
+        <p:spPr>
+          <a:xfrm>
+            <a:off x="20528605" y="28097202"/>
+            <a:ext cx="401072" cy="553998"/>
+          </a:xfrm>
+          <a:prstGeom prst="rect">
+            <a:avLst/>
+          </a:prstGeom>
+          <a:noFill/>
+        </p:spPr>
+        <p:txBody>
+          <a:bodyPr wrap="none" rtlCol="0">
+            <a:spAutoFit/>
+          </a:bodyPr>
+          <a:lstStyle/>
+          <a:p>
+            <a:r>
+              <a:rPr lang="en-US" sz="3000" b="1" dirty="0"/>
+              <a:t>B</a:t>
+            </a:r>
+          </a:p>
+        </p:txBody>
+      </p:sp>
+      <p:sp>
+        <p:nvSpPr>
+          <p:cNvPr id="73" name="Oval 72">
+            <a:extLst>
+              <a:ext uri="{FF2B5EF4-FFF2-40B4-BE49-F238E27FC236}">
+                <a16:creationId xmlns:a16="http://schemas.microsoft.com/office/drawing/2014/main" id="{E55F6B13-7E76-C546-9ECD-0EBADF2DA38B}"/>
+              </a:ext>
+            </a:extLst>
+          </p:cNvPr>
+          <p:cNvSpPr/>
+          <p:nvPr/>
+        </p:nvSpPr>
+        <p:spPr>
+          <a:xfrm>
+            <a:off x="20423668" y="31143352"/>
+            <a:ext cx="592619" cy="560136"/>
+          </a:xfrm>
+          <a:prstGeom prst="ellipse">
+            <a:avLst/>
+          </a:prstGeom>
+          <a:solidFill>
+            <a:schemeClr val="bg1"/>
+          </a:solidFill>
+          <a:ln>
+            <a:noFill/>
+          </a:ln>
+        </p:spPr>
+        <p:style>
+          <a:lnRef idx="2">
+            <a:schemeClr val="accent1">
+              <a:shade val="50000"/>
+            </a:schemeClr>
+          </a:lnRef>
+          <a:fillRef idx="1">
+            <a:schemeClr val="accent1"/>
+          </a:fillRef>
+          <a:effectRef idx="0">
+            <a:schemeClr val="accent1"/>
+          </a:effectRef>
+          <a:fontRef idx="minor">
+            <a:schemeClr val="lt1"/>
+          </a:fontRef>
+        </p:style>
+        <p:txBody>
+          <a:bodyPr rtlCol="0" anchor="ctr"/>
+          <a:lstStyle/>
+          <a:p>
+            <a:pPr algn="ctr"/>
+            <a:endParaRPr lang="en-US" dirty="0"/>
+          </a:p>
+        </p:txBody>
+      </p:sp>
     </p:spTree>
     <p:extLst>
       <p:ext uri="{BB962C8B-B14F-4D97-AF65-F5344CB8AC3E}">
